--- a/Presentations/presentation_chapter1-2.pptx
+++ b/Presentations/presentation_chapter1-2.pptx
@@ -14072,7 +14072,7 @@
       </p:sp>
       <p:sp>
         <p:nvSpPr>
-          <p:cNvPr id="5" name="Oval 4"/>
+          <p:cNvPr id="5" name="Rounded Rectangle 4"/>
           <p:cNvSpPr/>
           <p:nvPr/>
         </p:nvSpPr>
@@ -14081,7 +14081,172 @@
             <a:off x="6432088" y="1474524"/>
             <a:ext cx="1183341" cy="731520"/>
           </a:xfrm>
-          <a:prstGeom prst="ellipse">
+          <a:prstGeom prst="roundRect">
+            <a:avLst/>
+          </a:prstGeom>
+        </p:spPr>
+        <p:style>
+          <a:lnRef idx="2">
+            <a:schemeClr val="accent5">
+              <a:shade val="50000"/>
+            </a:schemeClr>
+          </a:lnRef>
+          <a:fillRef idx="1">
+            <a:schemeClr val="accent5"/>
+          </a:fillRef>
+          <a:effectRef idx="0">
+            <a:schemeClr val="accent5"/>
+          </a:effectRef>
+          <a:fontRef idx="minor">
+            <a:schemeClr val="lt1"/>
+          </a:fontRef>
+        </p:style>
+        <p:txBody>
+          <a:bodyPr rtlCol="0" anchor="ctr"/>
+          <a:lstStyle/>
+          <a:p>
+            <a:pPr algn="ctr"/>
+            <a:r>
+              <a:rPr lang="en-US" dirty="0"/>
+              <a:t>2</a:t>
+            </a:r>
+          </a:p>
+        </p:txBody>
+      </p:sp>
+      <p:cxnSp>
+        <p:nvCxnSpPr>
+          <p:cNvPr id="6" name="Straight Arrow Connector 5"/>
+          <p:cNvCxnSpPr>
+            <a:endCxn id="4" idx="2"/>
+          </p:cNvCxnSpPr>
+          <p:nvPr/>
+        </p:nvCxnSpPr>
+        <p:spPr>
+          <a:xfrm>
+            <a:off x="7615429" y="1840284"/>
+            <a:ext cx="755378" cy="0"/>
+          </a:xfrm>
+          <a:prstGeom prst="straightConnector1">
+            <a:avLst/>
+          </a:prstGeom>
+          <a:ln>
+            <a:tailEnd type="triangle"/>
+          </a:ln>
+        </p:spPr>
+        <p:style>
+          <a:lnRef idx="1">
+            <a:schemeClr val="accent1"/>
+          </a:lnRef>
+          <a:fillRef idx="0">
+            <a:schemeClr val="accent1"/>
+          </a:fillRef>
+          <a:effectRef idx="0">
+            <a:schemeClr val="accent1"/>
+          </a:effectRef>
+          <a:fontRef idx="minor">
+            <a:schemeClr val="tx1"/>
+          </a:fontRef>
+        </p:style>
+      </p:cxnSp>
+      <p:sp>
+        <p:nvSpPr>
+          <p:cNvPr id="9" name="TextBox 8"/>
+          <p:cNvSpPr txBox="1"/>
+          <p:nvPr/>
+        </p:nvSpPr>
+        <p:spPr>
+          <a:xfrm>
+            <a:off x="7615429" y="1470952"/>
+            <a:ext cx="688009" cy="369332"/>
+          </a:xfrm>
+          <a:prstGeom prst="rect">
+            <a:avLst/>
+          </a:prstGeom>
+          <a:noFill/>
+        </p:spPr>
+        <p:txBody>
+          <a:bodyPr wrap="none" rtlCol="0">
+            <a:spAutoFit/>
+          </a:bodyPr>
+          <a:lstStyle/>
+          <a:p>
+            <a:r>
+              <a:rPr lang="en-US" dirty="0"/>
+              <a:t>w = 4</a:t>
+            </a:r>
+          </a:p>
+        </p:txBody>
+      </p:sp>
+      <p:sp>
+        <p:nvSpPr>
+          <p:cNvPr id="10" name="TextBox 9"/>
+          <p:cNvSpPr txBox="1"/>
+          <p:nvPr/>
+        </p:nvSpPr>
+        <p:spPr>
+          <a:xfrm>
+            <a:off x="10164861" y="2021378"/>
+            <a:ext cx="1552028" cy="369332"/>
+          </a:xfrm>
+          <a:prstGeom prst="rect">
+            <a:avLst/>
+          </a:prstGeom>
+          <a:noFill/>
+        </p:spPr>
+        <p:txBody>
+          <a:bodyPr wrap="none" rtlCol="0">
+            <a:spAutoFit/>
+          </a:bodyPr>
+          <a:lstStyle/>
+          <a:p>
+            <a:r>
+              <a:rPr lang="en-US" dirty="0"/>
+              <a:t>Target value: 6</a:t>
+            </a:r>
+          </a:p>
+        </p:txBody>
+      </p:sp>
+      <p:sp>
+        <p:nvSpPr>
+          <p:cNvPr id="11" name="TextBox 10"/>
+          <p:cNvSpPr txBox="1"/>
+          <p:nvPr/>
+        </p:nvSpPr>
+        <p:spPr>
+          <a:xfrm>
+            <a:off x="10164860" y="1652046"/>
+            <a:ext cx="1867306" cy="369332"/>
+          </a:xfrm>
+          <a:prstGeom prst="rect">
+            <a:avLst/>
+          </a:prstGeom>
+          <a:noFill/>
+        </p:spPr>
+        <p:txBody>
+          <a:bodyPr wrap="none" rtlCol="0">
+            <a:spAutoFit/>
+          </a:bodyPr>
+          <a:lstStyle/>
+          <a:p>
+            <a:r>
+              <a:rPr lang="en-US" dirty="0"/>
+              <a:t>Predicted value: 8</a:t>
+            </a:r>
+          </a:p>
+        </p:txBody>
+      </p:sp>
+      <p:sp>
+        <p:nvSpPr>
+          <p:cNvPr id="12" name="Right Arrow 11"/>
+          <p:cNvSpPr/>
+          <p:nvPr/>
+        </p:nvSpPr>
+        <p:spPr>
+          <a:xfrm>
+            <a:off x="9707962" y="1601482"/>
+            <a:ext cx="456898" cy="484632"/>
+          </a:xfrm>
+          <a:prstGeom prst="rightArrow">
             <a:avLst/>
           </a:prstGeom>
         </p:spPr>
@@ -14106,172 +14271,6 @@
           <a:lstStyle/>
           <a:p>
             <a:pPr algn="ctr"/>
-            <a:r>
-              <a:rPr lang="en-US" dirty="0"/>
-              <a:t>2</a:t>
-            </a:r>
-          </a:p>
-        </p:txBody>
-      </p:sp>
-      <p:cxnSp>
-        <p:nvCxnSpPr>
-          <p:cNvPr id="6" name="Straight Arrow Connector 5"/>
-          <p:cNvCxnSpPr>
-            <a:stCxn id="5" idx="6"/>
-            <a:endCxn id="4" idx="2"/>
-          </p:cNvCxnSpPr>
-          <p:nvPr/>
-        </p:nvCxnSpPr>
-        <p:spPr>
-          <a:xfrm>
-            <a:off x="7615429" y="1840284"/>
-            <a:ext cx="755378" cy="0"/>
-          </a:xfrm>
-          <a:prstGeom prst="straightConnector1">
-            <a:avLst/>
-          </a:prstGeom>
-          <a:ln>
-            <a:tailEnd type="triangle"/>
-          </a:ln>
-        </p:spPr>
-        <p:style>
-          <a:lnRef idx="1">
-            <a:schemeClr val="accent1"/>
-          </a:lnRef>
-          <a:fillRef idx="0">
-            <a:schemeClr val="accent1"/>
-          </a:fillRef>
-          <a:effectRef idx="0">
-            <a:schemeClr val="accent1"/>
-          </a:effectRef>
-          <a:fontRef idx="minor">
-            <a:schemeClr val="tx1"/>
-          </a:fontRef>
-        </p:style>
-      </p:cxnSp>
-      <p:sp>
-        <p:nvSpPr>
-          <p:cNvPr id="9" name="TextBox 8"/>
-          <p:cNvSpPr txBox="1"/>
-          <p:nvPr/>
-        </p:nvSpPr>
-        <p:spPr>
-          <a:xfrm>
-            <a:off x="7615429" y="1470952"/>
-            <a:ext cx="688009" cy="369332"/>
-          </a:xfrm>
-          <a:prstGeom prst="rect">
-            <a:avLst/>
-          </a:prstGeom>
-          <a:noFill/>
-        </p:spPr>
-        <p:txBody>
-          <a:bodyPr wrap="none" rtlCol="0">
-            <a:spAutoFit/>
-          </a:bodyPr>
-          <a:lstStyle/>
-          <a:p>
-            <a:r>
-              <a:rPr lang="en-US" dirty="0"/>
-              <a:t>w = 4</a:t>
-            </a:r>
-          </a:p>
-        </p:txBody>
-      </p:sp>
-      <p:sp>
-        <p:nvSpPr>
-          <p:cNvPr id="10" name="TextBox 9"/>
-          <p:cNvSpPr txBox="1"/>
-          <p:nvPr/>
-        </p:nvSpPr>
-        <p:spPr>
-          <a:xfrm>
-            <a:off x="10164861" y="2021378"/>
-            <a:ext cx="1552028" cy="369332"/>
-          </a:xfrm>
-          <a:prstGeom prst="rect">
-            <a:avLst/>
-          </a:prstGeom>
-          <a:noFill/>
-        </p:spPr>
-        <p:txBody>
-          <a:bodyPr wrap="none" rtlCol="0">
-            <a:spAutoFit/>
-          </a:bodyPr>
-          <a:lstStyle/>
-          <a:p>
-            <a:r>
-              <a:rPr lang="en-US" dirty="0"/>
-              <a:t>Target value: 6</a:t>
-            </a:r>
-          </a:p>
-        </p:txBody>
-      </p:sp>
-      <p:sp>
-        <p:nvSpPr>
-          <p:cNvPr id="11" name="TextBox 10"/>
-          <p:cNvSpPr txBox="1"/>
-          <p:nvPr/>
-        </p:nvSpPr>
-        <p:spPr>
-          <a:xfrm>
-            <a:off x="10164860" y="1652046"/>
-            <a:ext cx="1867306" cy="369332"/>
-          </a:xfrm>
-          <a:prstGeom prst="rect">
-            <a:avLst/>
-          </a:prstGeom>
-          <a:noFill/>
-        </p:spPr>
-        <p:txBody>
-          <a:bodyPr wrap="none" rtlCol="0">
-            <a:spAutoFit/>
-          </a:bodyPr>
-          <a:lstStyle/>
-          <a:p>
-            <a:r>
-              <a:rPr lang="en-US" dirty="0"/>
-              <a:t>Predicted value: 8</a:t>
-            </a:r>
-          </a:p>
-        </p:txBody>
-      </p:sp>
-      <p:sp>
-        <p:nvSpPr>
-          <p:cNvPr id="12" name="Right Arrow 11"/>
-          <p:cNvSpPr/>
-          <p:nvPr/>
-        </p:nvSpPr>
-        <p:spPr>
-          <a:xfrm>
-            <a:off x="9707962" y="1601482"/>
-            <a:ext cx="456898" cy="484632"/>
-          </a:xfrm>
-          <a:prstGeom prst="rightArrow">
-            <a:avLst/>
-          </a:prstGeom>
-        </p:spPr>
-        <p:style>
-          <a:lnRef idx="2">
-            <a:schemeClr val="accent1">
-              <a:shade val="50000"/>
-            </a:schemeClr>
-          </a:lnRef>
-          <a:fillRef idx="1">
-            <a:schemeClr val="accent1"/>
-          </a:fillRef>
-          <a:effectRef idx="0">
-            <a:schemeClr val="accent1"/>
-          </a:effectRef>
-          <a:fontRef idx="minor">
-            <a:schemeClr val="lt1"/>
-          </a:fontRef>
-        </p:style>
-        <p:txBody>
-          <a:bodyPr rtlCol="0" anchor="ctr"/>
-          <a:lstStyle/>
-          <a:p>
-            <a:pPr algn="ctr"/>
             <a:endParaRPr lang="en-US"/>
           </a:p>
         </p:txBody>
@@ -14316,7 +14315,7 @@
             <p:spPr>
               <a:xfrm>
                 <a:off x="218318" y="1951649"/>
-                <a:ext cx="6556199" cy="3416320"/>
+                <a:ext cx="6556199" cy="3139321"/>
               </a:xfrm>
               <a:prstGeom prst="rect">
                 <a:avLst/>
@@ -14333,7 +14332,7 @@
                   <a:buFont typeface="Arial" charset="0"/>
                   <a:buChar char="•"/>
                 </a:pPr>
-                <a:endParaRPr lang="en-US" dirty="0"/>
+                <a:endParaRPr lang="en-US" dirty="0" smtClean="0"/>
               </a:p>
               <a:p>
                 <a:pPr marL="285750" indent="-285750">
@@ -14405,11 +14404,7 @@
                 </a:r>
                 <a:r>
                   <a:rPr lang="en-US" dirty="0" smtClean="0"/>
-                  <a:t>Is 1 because the node with value 2 is </a:t>
-                </a:r>
-                <a:r>
-                  <a:rPr lang="en-US" smtClean="0"/>
-                  <a:t>an input</a:t>
+                  <a:t>Is 1 because the node with value 2 is an input</a:t>
                 </a:r>
                 <a:endParaRPr lang="en-US" dirty="0"/>
               </a:p>
@@ -14440,152 +14435,22 @@
                 </a:pPr>
                 <a14:m>
                   <m:oMath xmlns:m="http://schemas.openxmlformats.org/officeDocument/2006/math">
-                    <m:sSub>
-                      <m:sSubPr>
-                        <m:ctrlPr>
-                          <a:rPr lang="en-US" i="1">
-                            <a:latin typeface="Cambria Math" charset="0"/>
-                            <a:ea typeface="Cambria Math" charset="0"/>
-                            <a:cs typeface="Cambria Math" charset="0"/>
-                          </a:rPr>
-                        </m:ctrlPr>
-                      </m:sSubPr>
-                      <m:e>
-                        <m:r>
-                          <a:rPr lang="en-US" i="1">
-                            <a:latin typeface="Cambria Math" charset="0"/>
-                            <a:ea typeface="Cambria Math" charset="0"/>
-                            <a:cs typeface="Cambria Math" charset="0"/>
-                          </a:rPr>
-                          <m:t>𝜃</m:t>
-                        </m:r>
-                      </m:e>
-                      <m:sub>
-                        <m:r>
-                          <a:rPr lang="en-US" i="1">
-                            <a:latin typeface="Cambria Math" charset="0"/>
-                            <a:ea typeface="Cambria Math" charset="0"/>
-                            <a:cs typeface="Cambria Math" charset="0"/>
-                          </a:rPr>
-                          <m:t>𝑖</m:t>
-                        </m:r>
-                      </m:sub>
-                    </m:sSub>
                     <m:r>
-                      <a:rPr lang="en-US" i="1">
+                      <a:rPr lang="en-US" b="0" i="1" smtClean="0">
                         <a:latin typeface="Cambria Math" charset="0"/>
                         <a:ea typeface="Cambria Math" charset="0"/>
                         <a:cs typeface="Cambria Math" charset="0"/>
                       </a:rPr>
-                      <m:t>←</m:t>
+                      <m:t>𝑛𝑒𝑤</m:t>
                     </m:r>
-                    <m:sSub>
-                      <m:sSubPr>
-                        <m:ctrlPr>
-                          <a:rPr lang="en-US" i="1">
-                            <a:latin typeface="Cambria Math" charset="0"/>
-                            <a:ea typeface="Cambria Math" charset="0"/>
-                            <a:cs typeface="Cambria Math" charset="0"/>
-                          </a:rPr>
-                        </m:ctrlPr>
-                      </m:sSubPr>
-                      <m:e>
-                        <m:r>
-                          <a:rPr lang="en-US" i="1">
-                            <a:latin typeface="Cambria Math" charset="0"/>
-                            <a:ea typeface="Cambria Math" charset="0"/>
-                            <a:cs typeface="Cambria Math" charset="0"/>
-                          </a:rPr>
-                          <m:t>𝜃</m:t>
-                        </m:r>
-                      </m:e>
-                      <m:sub>
-                        <m:r>
-                          <a:rPr lang="en-US" i="1">
-                            <a:latin typeface="Cambria Math" charset="0"/>
-                            <a:ea typeface="Cambria Math" charset="0"/>
-                            <a:cs typeface="Cambria Math" charset="0"/>
-                          </a:rPr>
-                          <m:t>𝑖</m:t>
-                        </m:r>
-                      </m:sub>
-                    </m:sSub>
                     <m:r>
-                      <a:rPr lang="en-US" i="1">
+                      <a:rPr lang="en-US" b="0" i="1" smtClean="0">
                         <a:latin typeface="Cambria Math" charset="0"/>
                         <a:ea typeface="Cambria Math" charset="0"/>
                         <a:cs typeface="Cambria Math" charset="0"/>
                       </a:rPr>
-                      <m:t>−</m:t>
+                      <m:t>_</m:t>
                     </m:r>
-                    <m:sSub>
-                      <m:sSubPr>
-                        <m:ctrlPr>
-                          <a:rPr lang="en-US" i="1">
-                            <a:latin typeface="Cambria Math" charset="0"/>
-                          </a:rPr>
-                        </m:ctrlPr>
-                      </m:sSubPr>
-                      <m:e>
-                        <m:r>
-                          <a:rPr lang="en-US" i="1">
-                            <a:latin typeface="Cambria Math" charset="0"/>
-                          </a:rPr>
-                          <m:t>𝑔𝑟𝑎𝑑𝑖𝑒𝑛𝑡</m:t>
-                        </m:r>
-                      </m:e>
-                      <m:sub>
-                        <m:r>
-                          <a:rPr lang="en-US" i="1">
-                            <a:latin typeface="Cambria Math" charset="0"/>
-                          </a:rPr>
-                          <m:t>𝑖</m:t>
-                        </m:r>
-                      </m:sub>
-                    </m:sSub>
-                    <m:r>
-                      <a:rPr lang="en-US" i="1">
-                        <a:latin typeface="Cambria Math" charset="0"/>
-                        <a:ea typeface="Cambria Math" charset="0"/>
-                        <a:cs typeface="Cambria Math" charset="0"/>
-                      </a:rPr>
-                      <m:t>×</m:t>
-                    </m:r>
-                    <m:r>
-                      <a:rPr lang="en-US" i="1">
-                        <a:latin typeface="Cambria Math" charset="0"/>
-                        <a:ea typeface="Cambria Math" charset="0"/>
-                        <a:cs typeface="Cambria Math" charset="0"/>
-                      </a:rPr>
-                      <m:t>𝐿𝐸𝐴𝑅𝑁𝐼𝑁𝐺</m:t>
-                    </m:r>
-                    <m:r>
-                      <a:rPr lang="en-US" i="1">
-                        <a:latin typeface="Cambria Math" charset="0"/>
-                        <a:ea typeface="Cambria Math" charset="0"/>
-                        <a:cs typeface="Cambria Math" charset="0"/>
-                      </a:rPr>
-                      <m:t> </m:t>
-                    </m:r>
-                    <m:r>
-                      <a:rPr lang="en-US" i="1">
-                        <a:latin typeface="Cambria Math" charset="0"/>
-                        <a:ea typeface="Cambria Math" charset="0"/>
-                        <a:cs typeface="Cambria Math" charset="0"/>
-                      </a:rPr>
-                      <m:t>𝑅𝐴𝑇𝐸</m:t>
-                    </m:r>
-                  </m:oMath>
-                </a14:m>
-                <a:endParaRPr lang="en-US" dirty="0"/>
-              </a:p>
-              <a:p>
-                <a:pPr marL="285750" indent="-285750">
-                  <a:buFont typeface="Arial" charset="0"/>
-                  <a:buChar char="•"/>
-                </a:pPr>
-                <a14:m>
-                  <m:oMath xmlns:m="http://schemas.openxmlformats.org/officeDocument/2006/math">
                     <m:r>
                       <a:rPr lang="en-US" b="0" i="1" smtClean="0">
                         <a:latin typeface="Cambria Math" charset="0"/>
@@ -14593,6 +14458,14 @@
                         <a:cs typeface="Cambria Math" charset="0"/>
                       </a:rPr>
                       <m:t>𝑤</m:t>
+                    </m:r>
+                    <m:r>
+                      <a:rPr lang="en-US" b="0" i="1" smtClean="0">
+                        <a:latin typeface="Cambria Math" charset="0"/>
+                        <a:ea typeface="Cambria Math" charset="0"/>
+                        <a:cs typeface="Cambria Math" charset="0"/>
+                      </a:rPr>
+                      <m:t>𝑒𝑖𝑔h𝑡</m:t>
                     </m:r>
                     <m:r>
                       <a:rPr lang="en-US" b="0" i="1" smtClean="0">
@@ -14611,6 +14484,18 @@
                   <a:buFont typeface="Arial" charset="0"/>
                   <a:buChar char="•"/>
                 </a:pPr>
+                <a:r>
+                  <a:rPr lang="en-US" dirty="0" smtClean="0"/>
+                  <a:t>(note this is a </a:t>
+                </a:r>
+                <a:r>
+                  <a:rPr lang="en-US" dirty="0" err="1" smtClean="0"/>
+                  <a:t>batchsize</a:t>
+                </a:r>
+                <a:r>
+                  <a:rPr lang="en-US" dirty="0" smtClean="0"/>
+                  <a:t> = 1)</a:t>
+                </a:r>
                 <a:endParaRPr lang="en-US" dirty="0"/>
               </a:p>
               <a:p>
@@ -14635,7 +14520,7 @@
             <p:spPr>
               <a:xfrm>
                 <a:off x="218318" y="1951649"/>
-                <a:ext cx="6556199" cy="3416320"/>
+                <a:ext cx="6556199" cy="3139321"/>
               </a:xfrm>
               <a:prstGeom prst="rect">
                 <a:avLst/>
@@ -14678,7 +14563,7 @@
         </p:blipFill>
         <p:spPr>
           <a:xfrm>
-            <a:off x="7002966" y="3281111"/>
+            <a:off x="6676116" y="2661142"/>
             <a:ext cx="5029200" cy="3378200"/>
           </a:xfrm>
           <a:prstGeom prst="rect">
@@ -14686,6 +14571,206 @@
           </a:prstGeom>
         </p:spPr>
       </p:pic>
+      <p:sp>
+        <p:nvSpPr>
+          <p:cNvPr id="14" name="TextBox 13"/>
+          <p:cNvSpPr txBox="1"/>
+          <p:nvPr/>
+        </p:nvSpPr>
+        <p:spPr>
+          <a:xfrm>
+            <a:off x="7615429" y="1450705"/>
+            <a:ext cx="979755" cy="369332"/>
+          </a:xfrm>
+          <a:prstGeom prst="rect">
+            <a:avLst/>
+          </a:prstGeom>
+          <a:noFill/>
+        </p:spPr>
+        <p:txBody>
+          <a:bodyPr wrap="none" rtlCol="0">
+            <a:spAutoFit/>
+          </a:bodyPr>
+          <a:lstStyle/>
+          <a:p>
+            <a:r>
+              <a:rPr lang="en-US" dirty="0"/>
+              <a:t>w = </a:t>
+            </a:r>
+            <a:r>
+              <a:rPr lang="en-US" dirty="0" smtClean="0"/>
+              <a:t>3.92</a:t>
+            </a:r>
+            <a:endParaRPr lang="en-US" dirty="0"/>
+          </a:p>
+        </p:txBody>
+      </p:sp>
+      <p:sp>
+        <p:nvSpPr>
+          <p:cNvPr id="3" name="TextBox 2"/>
+          <p:cNvSpPr txBox="1"/>
+          <p:nvPr/>
+        </p:nvSpPr>
+        <p:spPr>
+          <a:xfrm>
+            <a:off x="7243190" y="5934670"/>
+            <a:ext cx="4788976" cy="923330"/>
+          </a:xfrm>
+          <a:prstGeom prst="rect">
+            <a:avLst/>
+          </a:prstGeom>
+          <a:noFill/>
+        </p:spPr>
+        <p:txBody>
+          <a:bodyPr wrap="square" rtlCol="0">
+            <a:spAutoFit/>
+          </a:bodyPr>
+          <a:lstStyle/>
+          <a:p>
+            <a:r>
+              <a:rPr lang="en-US" dirty="0" smtClean="0"/>
+              <a:t>A graph of multiple iterations of gradient decent to adjust weights</a:t>
+            </a:r>
+            <a:r>
+              <a:rPr lang="mr-IN" dirty="0" smtClean="0"/>
+              <a:t>…</a:t>
+            </a:r>
+            <a:r>
+              <a:rPr lang="en-US" dirty="0" smtClean="0"/>
+              <a:t> see how the predictions get closer to the expected over iterations</a:t>
+            </a:r>
+            <a:endParaRPr lang="en-US" dirty="0"/>
+          </a:p>
+        </p:txBody>
+      </p:sp>
+      <p:sp>
+        <p:nvSpPr>
+          <p:cNvPr id="7" name="TextBox 6"/>
+          <p:cNvSpPr txBox="1"/>
+          <p:nvPr/>
+        </p:nvSpPr>
+        <p:spPr>
+          <a:xfrm>
+            <a:off x="6400831" y="1100333"/>
+            <a:ext cx="1245854" cy="369332"/>
+          </a:xfrm>
+          <a:prstGeom prst="rect">
+            <a:avLst/>
+          </a:prstGeom>
+          <a:noFill/>
+        </p:spPr>
+        <p:txBody>
+          <a:bodyPr wrap="none" rtlCol="0">
+            <a:spAutoFit/>
+          </a:bodyPr>
+          <a:lstStyle/>
+          <a:p>
+            <a:r>
+              <a:rPr lang="en-US" dirty="0" smtClean="0"/>
+              <a:t>Input Node</a:t>
+            </a:r>
+            <a:endParaRPr lang="en-US" dirty="0"/>
+          </a:p>
+        </p:txBody>
+      </p:sp>
+      <p:sp>
+        <p:nvSpPr>
+          <p:cNvPr id="8" name="TextBox 7"/>
+          <p:cNvSpPr txBox="1"/>
+          <p:nvPr/>
+        </p:nvSpPr>
+        <p:spPr>
+          <a:xfrm>
+            <a:off x="8336328" y="1112906"/>
+            <a:ext cx="1417376" cy="369332"/>
+          </a:xfrm>
+          <a:prstGeom prst="rect">
+            <a:avLst/>
+          </a:prstGeom>
+          <a:noFill/>
+        </p:spPr>
+        <p:txBody>
+          <a:bodyPr wrap="none" rtlCol="0">
+            <a:spAutoFit/>
+          </a:bodyPr>
+          <a:lstStyle/>
+          <a:p>
+            <a:r>
+              <a:rPr lang="en-US" smtClean="0"/>
+              <a:t>Output Node</a:t>
+            </a:r>
+            <a:endParaRPr lang="en-US"/>
+          </a:p>
+        </p:txBody>
+      </p:sp>
+      <p:sp>
+        <p:nvSpPr>
+          <p:cNvPr id="17" name="TextBox 16"/>
+          <p:cNvSpPr txBox="1"/>
+          <p:nvPr/>
+        </p:nvSpPr>
+        <p:spPr>
+          <a:xfrm>
+            <a:off x="10115389" y="1664167"/>
+            <a:ext cx="2159053" cy="369332"/>
+          </a:xfrm>
+          <a:prstGeom prst="rect">
+            <a:avLst/>
+          </a:prstGeom>
+          <a:noFill/>
+        </p:spPr>
+        <p:txBody>
+          <a:bodyPr wrap="none" rtlCol="0">
+            <a:spAutoFit/>
+          </a:bodyPr>
+          <a:lstStyle/>
+          <a:p>
+            <a:r>
+              <a:rPr lang="en-US" dirty="0"/>
+              <a:t>Predicted value: </a:t>
+            </a:r>
+            <a:r>
+              <a:rPr lang="nb-NO" dirty="0"/>
+              <a:t>7.84</a:t>
+            </a:r>
+            <a:endParaRPr lang="en-US" dirty="0"/>
+          </a:p>
+        </p:txBody>
+      </p:sp>
+      <p:sp>
+        <p:nvSpPr>
+          <p:cNvPr id="18" name="TextBox 17"/>
+          <p:cNvSpPr txBox="1"/>
+          <p:nvPr/>
+        </p:nvSpPr>
+        <p:spPr>
+          <a:xfrm>
+            <a:off x="10136026" y="2420974"/>
+            <a:ext cx="1179618" cy="369332"/>
+          </a:xfrm>
+          <a:prstGeom prst="rect">
+            <a:avLst/>
+          </a:prstGeom>
+          <a:noFill/>
+        </p:spPr>
+        <p:txBody>
+          <a:bodyPr wrap="none" rtlCol="0">
+            <a:spAutoFit/>
+          </a:bodyPr>
+          <a:lstStyle/>
+          <a:p>
+            <a:r>
+              <a:rPr lang="en-US" dirty="0"/>
+              <a:t>Error: </a:t>
+            </a:r>
+            <a:r>
+              <a:rPr lang="nb-NO" dirty="0"/>
+              <a:t>1.84</a:t>
+            </a:r>
+            <a:endParaRPr lang="en-US" dirty="0"/>
+          </a:p>
+        </p:txBody>
+      </p:sp>
     </p:spTree>
     <p:extLst>
       <p:ext uri="{BB962C8B-B14F-4D97-AF65-F5344CB8AC3E}">
@@ -14711,9 +14796,341 @@
   <p:timing>
     <p:tnLst>
       <p:par>
-        <p:cTn id="1" dur="indefinite" restart="never" nodeType="tmRoot"/>
+        <p:cTn id="1" dur="indefinite" restart="never" nodeType="tmRoot">
+          <p:childTnLst>
+            <p:seq concurrent="1" nextAc="seek">
+              <p:cTn id="2" dur="indefinite" nodeType="mainSeq">
+                <p:childTnLst>
+                  <p:par>
+                    <p:cTn id="3" fill="hold">
+                      <p:stCondLst>
+                        <p:cond delay="indefinite"/>
+                      </p:stCondLst>
+                      <p:childTnLst>
+                        <p:par>
+                          <p:cTn id="4" fill="hold">
+                            <p:stCondLst>
+                              <p:cond delay="0"/>
+                            </p:stCondLst>
+                            <p:childTnLst>
+                              <p:par>
+                                <p:cTn id="5" presetID="10" presetClass="exit" presetSubtype="0" fill="hold" grpId="0" nodeType="clickEffect">
+                                  <p:stCondLst>
+                                    <p:cond delay="0"/>
+                                  </p:stCondLst>
+                                  <p:childTnLst>
+                                    <p:animEffect transition="out" filter="fade">
+                                      <p:cBhvr>
+                                        <p:cTn id="6" dur="500"/>
+                                        <p:tgtEl>
+                                          <p:spTgt spid="9"/>
+                                        </p:tgtEl>
+                                      </p:cBhvr>
+                                    </p:animEffect>
+                                    <p:set>
+                                      <p:cBhvr>
+                                        <p:cTn id="7" dur="1" fill="hold">
+                                          <p:stCondLst>
+                                            <p:cond delay="499"/>
+                                          </p:stCondLst>
+                                        </p:cTn>
+                                        <p:tgtEl>
+                                          <p:spTgt spid="9"/>
+                                        </p:tgtEl>
+                                        <p:attrNameLst>
+                                          <p:attrName>style.visibility</p:attrName>
+                                        </p:attrNameLst>
+                                      </p:cBhvr>
+                                      <p:to>
+                                        <p:strVal val="hidden"/>
+                                      </p:to>
+                                    </p:set>
+                                  </p:childTnLst>
+                                </p:cTn>
+                              </p:par>
+                            </p:childTnLst>
+                          </p:cTn>
+                        </p:par>
+                        <p:par>
+                          <p:cTn id="8" fill="hold">
+                            <p:stCondLst>
+                              <p:cond delay="500"/>
+                            </p:stCondLst>
+                            <p:childTnLst>
+                              <p:par>
+                                <p:cTn id="9" presetID="1" presetClass="entr" presetSubtype="0" fill="hold" grpId="0" nodeType="afterEffect">
+                                  <p:stCondLst>
+                                    <p:cond delay="0"/>
+                                  </p:stCondLst>
+                                  <p:childTnLst>
+                                    <p:set>
+                                      <p:cBhvr>
+                                        <p:cTn id="10" dur="1" fill="hold">
+                                          <p:stCondLst>
+                                            <p:cond delay="0"/>
+                                          </p:stCondLst>
+                                        </p:cTn>
+                                        <p:tgtEl>
+                                          <p:spTgt spid="14"/>
+                                        </p:tgtEl>
+                                        <p:attrNameLst>
+                                          <p:attrName>style.visibility</p:attrName>
+                                        </p:attrNameLst>
+                                      </p:cBhvr>
+                                      <p:to>
+                                        <p:strVal val="visible"/>
+                                      </p:to>
+                                    </p:set>
+                                  </p:childTnLst>
+                                </p:cTn>
+                              </p:par>
+                            </p:childTnLst>
+                          </p:cTn>
+                        </p:par>
+                      </p:childTnLst>
+                    </p:cTn>
+                  </p:par>
+                  <p:par>
+                    <p:cTn id="11" fill="hold">
+                      <p:stCondLst>
+                        <p:cond delay="indefinite"/>
+                      </p:stCondLst>
+                      <p:childTnLst>
+                        <p:par>
+                          <p:cTn id="12" fill="hold">
+                            <p:stCondLst>
+                              <p:cond delay="0"/>
+                            </p:stCondLst>
+                            <p:childTnLst>
+                              <p:par>
+                                <p:cTn id="13" presetID="10" presetClass="exit" presetSubtype="0" fill="hold" grpId="0" nodeType="clickEffect">
+                                  <p:stCondLst>
+                                    <p:cond delay="0"/>
+                                  </p:stCondLst>
+                                  <p:childTnLst>
+                                    <p:animEffect transition="out" filter="fade">
+                                      <p:cBhvr>
+                                        <p:cTn id="14" dur="500"/>
+                                        <p:tgtEl>
+                                          <p:spTgt spid="11"/>
+                                        </p:tgtEl>
+                                      </p:cBhvr>
+                                    </p:animEffect>
+                                    <p:set>
+                                      <p:cBhvr>
+                                        <p:cTn id="15" dur="1" fill="hold">
+                                          <p:stCondLst>
+                                            <p:cond delay="499"/>
+                                          </p:stCondLst>
+                                        </p:cTn>
+                                        <p:tgtEl>
+                                          <p:spTgt spid="11"/>
+                                        </p:tgtEl>
+                                        <p:attrNameLst>
+                                          <p:attrName>style.visibility</p:attrName>
+                                        </p:attrNameLst>
+                                      </p:cBhvr>
+                                      <p:to>
+                                        <p:strVal val="hidden"/>
+                                      </p:to>
+                                    </p:set>
+                                  </p:childTnLst>
+                                </p:cTn>
+                              </p:par>
+                            </p:childTnLst>
+                          </p:cTn>
+                        </p:par>
+                      </p:childTnLst>
+                    </p:cTn>
+                  </p:par>
+                  <p:par>
+                    <p:cTn id="16" fill="hold">
+                      <p:stCondLst>
+                        <p:cond delay="indefinite"/>
+                      </p:stCondLst>
+                      <p:childTnLst>
+                        <p:par>
+                          <p:cTn id="17" fill="hold">
+                            <p:stCondLst>
+                              <p:cond delay="0"/>
+                            </p:stCondLst>
+                            <p:childTnLst>
+                              <p:par>
+                                <p:cTn id="18" presetID="10" presetClass="entr" presetSubtype="0" fill="hold" grpId="0" nodeType="clickEffect">
+                                  <p:stCondLst>
+                                    <p:cond delay="0"/>
+                                  </p:stCondLst>
+                                  <p:childTnLst>
+                                    <p:set>
+                                      <p:cBhvr>
+                                        <p:cTn id="19" dur="1" fill="hold">
+                                          <p:stCondLst>
+                                            <p:cond delay="0"/>
+                                          </p:stCondLst>
+                                        </p:cTn>
+                                        <p:tgtEl>
+                                          <p:spTgt spid="17"/>
+                                        </p:tgtEl>
+                                        <p:attrNameLst>
+                                          <p:attrName>style.visibility</p:attrName>
+                                        </p:attrNameLst>
+                                      </p:cBhvr>
+                                      <p:to>
+                                        <p:strVal val="visible"/>
+                                      </p:to>
+                                    </p:set>
+                                    <p:animEffect transition="in" filter="fade">
+                                      <p:cBhvr>
+                                        <p:cTn id="20" dur="500"/>
+                                        <p:tgtEl>
+                                          <p:spTgt spid="17"/>
+                                        </p:tgtEl>
+                                      </p:cBhvr>
+                                    </p:animEffect>
+                                  </p:childTnLst>
+                                </p:cTn>
+                              </p:par>
+                            </p:childTnLst>
+                          </p:cTn>
+                        </p:par>
+                      </p:childTnLst>
+                    </p:cTn>
+                  </p:par>
+                  <p:par>
+                    <p:cTn id="21" fill="hold">
+                      <p:stCondLst>
+                        <p:cond delay="indefinite"/>
+                      </p:stCondLst>
+                      <p:childTnLst>
+                        <p:par>
+                          <p:cTn id="22" fill="hold">
+                            <p:stCondLst>
+                              <p:cond delay="0"/>
+                            </p:stCondLst>
+                            <p:childTnLst>
+                              <p:par>
+                                <p:cTn id="23" presetID="10" presetClass="exit" presetSubtype="0" fill="hold" grpId="0" nodeType="clickEffect">
+                                  <p:stCondLst>
+                                    <p:cond delay="0"/>
+                                  </p:stCondLst>
+                                  <p:childTnLst>
+                                    <p:animEffect transition="out" filter="fade">
+                                      <p:cBhvr>
+                                        <p:cTn id="24" dur="500"/>
+                                        <p:tgtEl>
+                                          <p:spTgt spid="13"/>
+                                        </p:tgtEl>
+                                      </p:cBhvr>
+                                    </p:animEffect>
+                                    <p:set>
+                                      <p:cBhvr>
+                                        <p:cTn id="25" dur="1" fill="hold">
+                                          <p:stCondLst>
+                                            <p:cond delay="499"/>
+                                          </p:stCondLst>
+                                        </p:cTn>
+                                        <p:tgtEl>
+                                          <p:spTgt spid="13"/>
+                                        </p:tgtEl>
+                                        <p:attrNameLst>
+                                          <p:attrName>style.visibility</p:attrName>
+                                        </p:attrNameLst>
+                                      </p:cBhvr>
+                                      <p:to>
+                                        <p:strVal val="hidden"/>
+                                      </p:to>
+                                    </p:set>
+                                  </p:childTnLst>
+                                </p:cTn>
+                              </p:par>
+                            </p:childTnLst>
+                          </p:cTn>
+                        </p:par>
+                      </p:childTnLst>
+                    </p:cTn>
+                  </p:par>
+                  <p:par>
+                    <p:cTn id="26" fill="hold">
+                      <p:stCondLst>
+                        <p:cond delay="indefinite"/>
+                      </p:stCondLst>
+                      <p:childTnLst>
+                        <p:par>
+                          <p:cTn id="27" fill="hold">
+                            <p:stCondLst>
+                              <p:cond delay="0"/>
+                            </p:stCondLst>
+                            <p:childTnLst>
+                              <p:par>
+                                <p:cTn id="28" presetID="10" presetClass="entr" presetSubtype="0" fill="hold" grpId="1" nodeType="clickEffect">
+                                  <p:stCondLst>
+                                    <p:cond delay="0"/>
+                                  </p:stCondLst>
+                                  <p:childTnLst>
+                                    <p:set>
+                                      <p:cBhvr>
+                                        <p:cTn id="29" dur="1" fill="hold">
+                                          <p:stCondLst>
+                                            <p:cond delay="0"/>
+                                          </p:stCondLst>
+                                        </p:cTn>
+                                        <p:tgtEl>
+                                          <p:spTgt spid="18"/>
+                                        </p:tgtEl>
+                                        <p:attrNameLst>
+                                          <p:attrName>style.visibility</p:attrName>
+                                        </p:attrNameLst>
+                                      </p:cBhvr>
+                                      <p:to>
+                                        <p:strVal val="visible"/>
+                                      </p:to>
+                                    </p:set>
+                                    <p:animEffect transition="in" filter="fade">
+                                      <p:cBhvr>
+                                        <p:cTn id="30" dur="500"/>
+                                        <p:tgtEl>
+                                          <p:spTgt spid="18"/>
+                                        </p:tgtEl>
+                                      </p:cBhvr>
+                                    </p:animEffect>
+                                  </p:childTnLst>
+                                </p:cTn>
+                              </p:par>
+                            </p:childTnLst>
+                          </p:cTn>
+                        </p:par>
+                      </p:childTnLst>
+                    </p:cTn>
+                  </p:par>
+                </p:childTnLst>
+              </p:cTn>
+              <p:prevCondLst>
+                <p:cond evt="onPrev" delay="0">
+                  <p:tgtEl>
+                    <p:sldTgt/>
+                  </p:tgtEl>
+                </p:cond>
+              </p:prevCondLst>
+              <p:nextCondLst>
+                <p:cond evt="onNext" delay="0">
+                  <p:tgtEl>
+                    <p:sldTgt/>
+                  </p:tgtEl>
+                </p:cond>
+              </p:nextCondLst>
+            </p:seq>
+          </p:childTnLst>
+        </p:cTn>
       </p:par>
     </p:tnLst>
+    <p:bldLst>
+      <p:bldP spid="9" grpId="0"/>
+      <p:bldP spid="11" grpId="0"/>
+      <p:bldP spid="13" grpId="0"/>
+      <p:bldP spid="14" grpId="0"/>
+      <p:bldP spid="17" grpId="0"/>
+      <p:bldP spid="18" grpId="1"/>
+    </p:bldLst>
   </p:timing>
 </p:sld>
 </file>
@@ -18852,6 +19269,13 @@
       </p:transition>
     </mc:Fallback>
   </mc:AlternateContent>
+  <p:timing>
+    <p:tnLst>
+      <p:par>
+        <p:cTn id="1" dur="indefinite" restart="never" nodeType="tmRoot"/>
+      </p:par>
+    </p:tnLst>
+  </p:timing>
 </p:sld>
 </file>
 

--- a/Presentations/presentation_chapter1-2.pptx
+++ b/Presentations/presentation_chapter1-2.pptx
@@ -9763,6 +9763,13 @@
       </p:transition>
     </mc:Fallback>
   </mc:AlternateContent>
+  <p:timing>
+    <p:tnLst>
+      <p:par>
+        <p:cTn id="1" dur="indefinite" restart="never" nodeType="tmRoot"/>
+      </p:par>
+    </p:tnLst>
+  </p:timing>
 </p:sld>
 </file>
 
@@ -13955,6 +13962,445 @@
           </a:p>
         </p:txBody>
       </p:sp>
+      <p:sp>
+        <p:nvSpPr>
+          <p:cNvPr id="4" name="Oval 3"/>
+          <p:cNvSpPr/>
+          <p:nvPr/>
+        </p:nvSpPr>
+        <p:spPr>
+          <a:xfrm>
+            <a:off x="7409912" y="5059680"/>
+            <a:ext cx="1183341" cy="731520"/>
+          </a:xfrm>
+          <a:prstGeom prst="ellipse">
+            <a:avLst/>
+          </a:prstGeom>
+        </p:spPr>
+        <p:style>
+          <a:lnRef idx="2">
+            <a:schemeClr val="accent1">
+              <a:shade val="50000"/>
+            </a:schemeClr>
+          </a:lnRef>
+          <a:fillRef idx="1">
+            <a:schemeClr val="accent1"/>
+          </a:fillRef>
+          <a:effectRef idx="0">
+            <a:schemeClr val="accent1"/>
+          </a:effectRef>
+          <a:fontRef idx="minor">
+            <a:schemeClr val="lt1"/>
+          </a:fontRef>
+        </p:style>
+        <p:txBody>
+          <a:bodyPr rtlCol="0" anchor="ctr"/>
+          <a:lstStyle/>
+          <a:p>
+            <a:pPr algn="ctr"/>
+            <a:r>
+              <a:rPr lang="en-US" dirty="0"/>
+              <a:t>8</a:t>
+            </a:r>
+          </a:p>
+        </p:txBody>
+      </p:sp>
+      <p:sp>
+        <p:nvSpPr>
+          <p:cNvPr id="5" name="Rounded Rectangle 4"/>
+          <p:cNvSpPr/>
+          <p:nvPr/>
+        </p:nvSpPr>
+        <p:spPr>
+          <a:xfrm>
+            <a:off x="5471193" y="5059680"/>
+            <a:ext cx="1183341" cy="731520"/>
+          </a:xfrm>
+          <a:prstGeom prst="roundRect">
+            <a:avLst/>
+          </a:prstGeom>
+        </p:spPr>
+        <p:style>
+          <a:lnRef idx="2">
+            <a:schemeClr val="accent5">
+              <a:shade val="50000"/>
+            </a:schemeClr>
+          </a:lnRef>
+          <a:fillRef idx="1">
+            <a:schemeClr val="accent5"/>
+          </a:fillRef>
+          <a:effectRef idx="0">
+            <a:schemeClr val="accent5"/>
+          </a:effectRef>
+          <a:fontRef idx="minor">
+            <a:schemeClr val="lt1"/>
+          </a:fontRef>
+        </p:style>
+        <p:txBody>
+          <a:bodyPr rtlCol="0" anchor="ctr"/>
+          <a:lstStyle/>
+          <a:p>
+            <a:pPr algn="ctr"/>
+            <a:r>
+              <a:rPr lang="en-US" dirty="0"/>
+              <a:t>2</a:t>
+            </a:r>
+          </a:p>
+        </p:txBody>
+      </p:sp>
+      <p:cxnSp>
+        <p:nvCxnSpPr>
+          <p:cNvPr id="6" name="Straight Arrow Connector 5"/>
+          <p:cNvCxnSpPr>
+            <a:endCxn id="6" idx="2"/>
+          </p:cNvCxnSpPr>
+          <p:nvPr/>
+        </p:nvCxnSpPr>
+        <p:spPr>
+          <a:xfrm>
+            <a:off x="6654534" y="5425440"/>
+            <a:ext cx="755378" cy="0"/>
+          </a:xfrm>
+          <a:prstGeom prst="straightConnector1">
+            <a:avLst/>
+          </a:prstGeom>
+          <a:ln>
+            <a:tailEnd type="triangle"/>
+          </a:ln>
+        </p:spPr>
+        <p:style>
+          <a:lnRef idx="1">
+            <a:schemeClr val="accent1"/>
+          </a:lnRef>
+          <a:fillRef idx="0">
+            <a:schemeClr val="accent1"/>
+          </a:fillRef>
+          <a:effectRef idx="0">
+            <a:schemeClr val="accent1"/>
+          </a:effectRef>
+          <a:fontRef idx="minor">
+            <a:schemeClr val="tx1"/>
+          </a:fontRef>
+        </p:style>
+      </p:cxnSp>
+      <p:sp>
+        <p:nvSpPr>
+          <p:cNvPr id="7" name="TextBox 6"/>
+          <p:cNvSpPr txBox="1"/>
+          <p:nvPr/>
+        </p:nvSpPr>
+        <p:spPr>
+          <a:xfrm>
+            <a:off x="6654534" y="5056108"/>
+            <a:ext cx="688009" cy="369332"/>
+          </a:xfrm>
+          <a:prstGeom prst="rect">
+            <a:avLst/>
+          </a:prstGeom>
+          <a:noFill/>
+        </p:spPr>
+        <p:txBody>
+          <a:bodyPr wrap="none" rtlCol="0">
+            <a:spAutoFit/>
+          </a:bodyPr>
+          <a:lstStyle/>
+          <a:p>
+            <a:r>
+              <a:rPr lang="en-US" dirty="0"/>
+              <a:t>w = 4</a:t>
+            </a:r>
+          </a:p>
+        </p:txBody>
+      </p:sp>
+      <p:sp>
+        <p:nvSpPr>
+          <p:cNvPr id="8" name="TextBox 7"/>
+          <p:cNvSpPr txBox="1"/>
+          <p:nvPr/>
+        </p:nvSpPr>
+        <p:spPr>
+          <a:xfrm>
+            <a:off x="9203966" y="5606534"/>
+            <a:ext cx="1552028" cy="369332"/>
+          </a:xfrm>
+          <a:prstGeom prst="rect">
+            <a:avLst/>
+          </a:prstGeom>
+          <a:noFill/>
+        </p:spPr>
+        <p:txBody>
+          <a:bodyPr wrap="none" rtlCol="0">
+            <a:spAutoFit/>
+          </a:bodyPr>
+          <a:lstStyle/>
+          <a:p>
+            <a:r>
+              <a:rPr lang="en-US" dirty="0"/>
+              <a:t>Target value: 6</a:t>
+            </a:r>
+          </a:p>
+        </p:txBody>
+      </p:sp>
+      <p:sp>
+        <p:nvSpPr>
+          <p:cNvPr id="9" name="TextBox 8"/>
+          <p:cNvSpPr txBox="1"/>
+          <p:nvPr/>
+        </p:nvSpPr>
+        <p:spPr>
+          <a:xfrm>
+            <a:off x="9203965" y="5237202"/>
+            <a:ext cx="1867306" cy="369332"/>
+          </a:xfrm>
+          <a:prstGeom prst="rect">
+            <a:avLst/>
+          </a:prstGeom>
+          <a:noFill/>
+        </p:spPr>
+        <p:txBody>
+          <a:bodyPr wrap="none" rtlCol="0">
+            <a:spAutoFit/>
+          </a:bodyPr>
+          <a:lstStyle/>
+          <a:p>
+            <a:r>
+              <a:rPr lang="en-US" dirty="0"/>
+              <a:t>Predicted value: 8</a:t>
+            </a:r>
+          </a:p>
+        </p:txBody>
+      </p:sp>
+      <p:sp>
+        <p:nvSpPr>
+          <p:cNvPr id="10" name="Right Arrow 9"/>
+          <p:cNvSpPr/>
+          <p:nvPr/>
+        </p:nvSpPr>
+        <p:spPr>
+          <a:xfrm>
+            <a:off x="8747067" y="5186638"/>
+            <a:ext cx="456898" cy="484632"/>
+          </a:xfrm>
+          <a:prstGeom prst="rightArrow">
+            <a:avLst/>
+          </a:prstGeom>
+        </p:spPr>
+        <p:style>
+          <a:lnRef idx="2">
+            <a:schemeClr val="accent1">
+              <a:shade val="50000"/>
+            </a:schemeClr>
+          </a:lnRef>
+          <a:fillRef idx="1">
+            <a:schemeClr val="accent1"/>
+          </a:fillRef>
+          <a:effectRef idx="0">
+            <a:schemeClr val="accent1"/>
+          </a:effectRef>
+          <a:fontRef idx="minor">
+            <a:schemeClr val="lt1"/>
+          </a:fontRef>
+        </p:style>
+        <p:txBody>
+          <a:bodyPr rtlCol="0" anchor="ctr"/>
+          <a:lstStyle/>
+          <a:p>
+            <a:pPr algn="ctr"/>
+            <a:endParaRPr lang="en-US"/>
+          </a:p>
+        </p:txBody>
+      </p:sp>
+      <p:sp>
+        <p:nvSpPr>
+          <p:cNvPr id="11" name="TextBox 10"/>
+          <p:cNvSpPr txBox="1"/>
+          <p:nvPr/>
+        </p:nvSpPr>
+        <p:spPr>
+          <a:xfrm>
+            <a:off x="9203965" y="5990998"/>
+            <a:ext cx="887872" cy="369332"/>
+          </a:xfrm>
+          <a:prstGeom prst="rect">
+            <a:avLst/>
+          </a:prstGeom>
+          <a:noFill/>
+        </p:spPr>
+        <p:txBody>
+          <a:bodyPr wrap="none" rtlCol="0">
+            <a:spAutoFit/>
+          </a:bodyPr>
+          <a:lstStyle/>
+          <a:p>
+            <a:r>
+              <a:rPr lang="en-US" dirty="0"/>
+              <a:t>Error: 2</a:t>
+            </a:r>
+          </a:p>
+        </p:txBody>
+      </p:sp>
+      <p:sp>
+        <p:nvSpPr>
+          <p:cNvPr id="12" name="TextBox 11"/>
+          <p:cNvSpPr txBox="1"/>
+          <p:nvPr/>
+        </p:nvSpPr>
+        <p:spPr>
+          <a:xfrm>
+            <a:off x="6654534" y="5035861"/>
+            <a:ext cx="979755" cy="369332"/>
+          </a:xfrm>
+          <a:prstGeom prst="rect">
+            <a:avLst/>
+          </a:prstGeom>
+          <a:noFill/>
+        </p:spPr>
+        <p:txBody>
+          <a:bodyPr wrap="none" rtlCol="0">
+            <a:spAutoFit/>
+          </a:bodyPr>
+          <a:lstStyle/>
+          <a:p>
+            <a:r>
+              <a:rPr lang="en-US" dirty="0"/>
+              <a:t>w = </a:t>
+            </a:r>
+            <a:r>
+              <a:rPr lang="en-US" dirty="0" smtClean="0"/>
+              <a:t>3.92</a:t>
+            </a:r>
+            <a:endParaRPr lang="en-US" dirty="0"/>
+          </a:p>
+        </p:txBody>
+      </p:sp>
+      <p:sp>
+        <p:nvSpPr>
+          <p:cNvPr id="13" name="TextBox 12"/>
+          <p:cNvSpPr txBox="1"/>
+          <p:nvPr/>
+        </p:nvSpPr>
+        <p:spPr>
+          <a:xfrm>
+            <a:off x="5439936" y="4685489"/>
+            <a:ext cx="1245854" cy="369332"/>
+          </a:xfrm>
+          <a:prstGeom prst="rect">
+            <a:avLst/>
+          </a:prstGeom>
+          <a:noFill/>
+        </p:spPr>
+        <p:txBody>
+          <a:bodyPr wrap="none" rtlCol="0">
+            <a:spAutoFit/>
+          </a:bodyPr>
+          <a:lstStyle/>
+          <a:p>
+            <a:r>
+              <a:rPr lang="en-US" dirty="0" smtClean="0"/>
+              <a:t>Input Node</a:t>
+            </a:r>
+            <a:endParaRPr lang="en-US" dirty="0"/>
+          </a:p>
+        </p:txBody>
+      </p:sp>
+      <p:sp>
+        <p:nvSpPr>
+          <p:cNvPr id="14" name="TextBox 13"/>
+          <p:cNvSpPr txBox="1"/>
+          <p:nvPr/>
+        </p:nvSpPr>
+        <p:spPr>
+          <a:xfrm>
+            <a:off x="7375433" y="4698062"/>
+            <a:ext cx="1417376" cy="369332"/>
+          </a:xfrm>
+          <a:prstGeom prst="rect">
+            <a:avLst/>
+          </a:prstGeom>
+          <a:noFill/>
+        </p:spPr>
+        <p:txBody>
+          <a:bodyPr wrap="none" rtlCol="0">
+            <a:spAutoFit/>
+          </a:bodyPr>
+          <a:lstStyle/>
+          <a:p>
+            <a:r>
+              <a:rPr lang="en-US" smtClean="0"/>
+              <a:t>Output Node</a:t>
+            </a:r>
+            <a:endParaRPr lang="en-US"/>
+          </a:p>
+        </p:txBody>
+      </p:sp>
+      <p:sp>
+        <p:nvSpPr>
+          <p:cNvPr id="15" name="TextBox 14"/>
+          <p:cNvSpPr txBox="1"/>
+          <p:nvPr/>
+        </p:nvSpPr>
+        <p:spPr>
+          <a:xfrm>
+            <a:off x="9154494" y="5249323"/>
+            <a:ext cx="2159053" cy="369332"/>
+          </a:xfrm>
+          <a:prstGeom prst="rect">
+            <a:avLst/>
+          </a:prstGeom>
+          <a:noFill/>
+        </p:spPr>
+        <p:txBody>
+          <a:bodyPr wrap="none" rtlCol="0">
+            <a:spAutoFit/>
+          </a:bodyPr>
+          <a:lstStyle/>
+          <a:p>
+            <a:r>
+              <a:rPr lang="en-US" dirty="0"/>
+              <a:t>Predicted value: </a:t>
+            </a:r>
+            <a:r>
+              <a:rPr lang="nb-NO" dirty="0"/>
+              <a:t>7.84</a:t>
+            </a:r>
+            <a:endParaRPr lang="en-US" dirty="0"/>
+          </a:p>
+        </p:txBody>
+      </p:sp>
+      <p:sp>
+        <p:nvSpPr>
+          <p:cNvPr id="16" name="TextBox 15"/>
+          <p:cNvSpPr txBox="1"/>
+          <p:nvPr/>
+        </p:nvSpPr>
+        <p:spPr>
+          <a:xfrm>
+            <a:off x="9175131" y="6006130"/>
+            <a:ext cx="1179618" cy="369332"/>
+          </a:xfrm>
+          <a:prstGeom prst="rect">
+            <a:avLst/>
+          </a:prstGeom>
+          <a:noFill/>
+        </p:spPr>
+        <p:txBody>
+          <a:bodyPr wrap="none" rtlCol="0">
+            <a:spAutoFit/>
+          </a:bodyPr>
+          <a:lstStyle/>
+          <a:p>
+            <a:r>
+              <a:rPr lang="en-US" dirty="0"/>
+              <a:t>Error: </a:t>
+            </a:r>
+            <a:r>
+              <a:rPr lang="nb-NO" dirty="0"/>
+              <a:t>1.84</a:t>
+            </a:r>
+            <a:endParaRPr lang="en-US" dirty="0"/>
+          </a:p>
+        </p:txBody>
+      </p:sp>
     </p:spTree>
     <p:extLst>
       <p:ext uri="{BB962C8B-B14F-4D97-AF65-F5344CB8AC3E}">
@@ -13980,9 +14426,341 @@
   <p:timing>
     <p:tnLst>
       <p:par>
-        <p:cTn id="1" dur="indefinite" restart="never" nodeType="tmRoot"/>
+        <p:cTn id="1" dur="indefinite" restart="never" nodeType="tmRoot">
+          <p:childTnLst>
+            <p:seq concurrent="1" nextAc="seek">
+              <p:cTn id="2" dur="indefinite" nodeType="mainSeq">
+                <p:childTnLst>
+                  <p:par>
+                    <p:cTn id="3" fill="hold">
+                      <p:stCondLst>
+                        <p:cond delay="indefinite"/>
+                      </p:stCondLst>
+                      <p:childTnLst>
+                        <p:par>
+                          <p:cTn id="4" fill="hold">
+                            <p:stCondLst>
+                              <p:cond delay="0"/>
+                            </p:stCondLst>
+                            <p:childTnLst>
+                              <p:par>
+                                <p:cTn id="5" presetID="10" presetClass="exit" presetSubtype="0" fill="hold" grpId="0" nodeType="clickEffect">
+                                  <p:stCondLst>
+                                    <p:cond delay="0"/>
+                                  </p:stCondLst>
+                                  <p:childTnLst>
+                                    <p:animEffect transition="out" filter="fade">
+                                      <p:cBhvr>
+                                        <p:cTn id="6" dur="500"/>
+                                        <p:tgtEl>
+                                          <p:spTgt spid="7"/>
+                                        </p:tgtEl>
+                                      </p:cBhvr>
+                                    </p:animEffect>
+                                    <p:set>
+                                      <p:cBhvr>
+                                        <p:cTn id="7" dur="1" fill="hold">
+                                          <p:stCondLst>
+                                            <p:cond delay="499"/>
+                                          </p:stCondLst>
+                                        </p:cTn>
+                                        <p:tgtEl>
+                                          <p:spTgt spid="7"/>
+                                        </p:tgtEl>
+                                        <p:attrNameLst>
+                                          <p:attrName>style.visibility</p:attrName>
+                                        </p:attrNameLst>
+                                      </p:cBhvr>
+                                      <p:to>
+                                        <p:strVal val="hidden"/>
+                                      </p:to>
+                                    </p:set>
+                                  </p:childTnLst>
+                                </p:cTn>
+                              </p:par>
+                            </p:childTnLst>
+                          </p:cTn>
+                        </p:par>
+                        <p:par>
+                          <p:cTn id="8" fill="hold">
+                            <p:stCondLst>
+                              <p:cond delay="500"/>
+                            </p:stCondLst>
+                            <p:childTnLst>
+                              <p:par>
+                                <p:cTn id="9" presetID="1" presetClass="entr" presetSubtype="0" fill="hold" grpId="0" nodeType="afterEffect">
+                                  <p:stCondLst>
+                                    <p:cond delay="0"/>
+                                  </p:stCondLst>
+                                  <p:childTnLst>
+                                    <p:set>
+                                      <p:cBhvr>
+                                        <p:cTn id="10" dur="1" fill="hold">
+                                          <p:stCondLst>
+                                            <p:cond delay="0"/>
+                                          </p:stCondLst>
+                                        </p:cTn>
+                                        <p:tgtEl>
+                                          <p:spTgt spid="12"/>
+                                        </p:tgtEl>
+                                        <p:attrNameLst>
+                                          <p:attrName>style.visibility</p:attrName>
+                                        </p:attrNameLst>
+                                      </p:cBhvr>
+                                      <p:to>
+                                        <p:strVal val="visible"/>
+                                      </p:to>
+                                    </p:set>
+                                  </p:childTnLst>
+                                </p:cTn>
+                              </p:par>
+                            </p:childTnLst>
+                          </p:cTn>
+                        </p:par>
+                      </p:childTnLst>
+                    </p:cTn>
+                  </p:par>
+                  <p:par>
+                    <p:cTn id="11" fill="hold">
+                      <p:stCondLst>
+                        <p:cond delay="indefinite"/>
+                      </p:stCondLst>
+                      <p:childTnLst>
+                        <p:par>
+                          <p:cTn id="12" fill="hold">
+                            <p:stCondLst>
+                              <p:cond delay="0"/>
+                            </p:stCondLst>
+                            <p:childTnLst>
+                              <p:par>
+                                <p:cTn id="13" presetID="10" presetClass="exit" presetSubtype="0" fill="hold" grpId="0" nodeType="clickEffect">
+                                  <p:stCondLst>
+                                    <p:cond delay="0"/>
+                                  </p:stCondLst>
+                                  <p:childTnLst>
+                                    <p:animEffect transition="out" filter="fade">
+                                      <p:cBhvr>
+                                        <p:cTn id="14" dur="500"/>
+                                        <p:tgtEl>
+                                          <p:spTgt spid="9"/>
+                                        </p:tgtEl>
+                                      </p:cBhvr>
+                                    </p:animEffect>
+                                    <p:set>
+                                      <p:cBhvr>
+                                        <p:cTn id="15" dur="1" fill="hold">
+                                          <p:stCondLst>
+                                            <p:cond delay="499"/>
+                                          </p:stCondLst>
+                                        </p:cTn>
+                                        <p:tgtEl>
+                                          <p:spTgt spid="9"/>
+                                        </p:tgtEl>
+                                        <p:attrNameLst>
+                                          <p:attrName>style.visibility</p:attrName>
+                                        </p:attrNameLst>
+                                      </p:cBhvr>
+                                      <p:to>
+                                        <p:strVal val="hidden"/>
+                                      </p:to>
+                                    </p:set>
+                                  </p:childTnLst>
+                                </p:cTn>
+                              </p:par>
+                            </p:childTnLst>
+                          </p:cTn>
+                        </p:par>
+                      </p:childTnLst>
+                    </p:cTn>
+                  </p:par>
+                  <p:par>
+                    <p:cTn id="16" fill="hold">
+                      <p:stCondLst>
+                        <p:cond delay="indefinite"/>
+                      </p:stCondLst>
+                      <p:childTnLst>
+                        <p:par>
+                          <p:cTn id="17" fill="hold">
+                            <p:stCondLst>
+                              <p:cond delay="0"/>
+                            </p:stCondLst>
+                            <p:childTnLst>
+                              <p:par>
+                                <p:cTn id="18" presetID="10" presetClass="entr" presetSubtype="0" fill="hold" grpId="0" nodeType="clickEffect">
+                                  <p:stCondLst>
+                                    <p:cond delay="0"/>
+                                  </p:stCondLst>
+                                  <p:childTnLst>
+                                    <p:set>
+                                      <p:cBhvr>
+                                        <p:cTn id="19" dur="1" fill="hold">
+                                          <p:stCondLst>
+                                            <p:cond delay="0"/>
+                                          </p:stCondLst>
+                                        </p:cTn>
+                                        <p:tgtEl>
+                                          <p:spTgt spid="15"/>
+                                        </p:tgtEl>
+                                        <p:attrNameLst>
+                                          <p:attrName>style.visibility</p:attrName>
+                                        </p:attrNameLst>
+                                      </p:cBhvr>
+                                      <p:to>
+                                        <p:strVal val="visible"/>
+                                      </p:to>
+                                    </p:set>
+                                    <p:animEffect transition="in" filter="fade">
+                                      <p:cBhvr>
+                                        <p:cTn id="20" dur="500"/>
+                                        <p:tgtEl>
+                                          <p:spTgt spid="15"/>
+                                        </p:tgtEl>
+                                      </p:cBhvr>
+                                    </p:animEffect>
+                                  </p:childTnLst>
+                                </p:cTn>
+                              </p:par>
+                            </p:childTnLst>
+                          </p:cTn>
+                        </p:par>
+                      </p:childTnLst>
+                    </p:cTn>
+                  </p:par>
+                  <p:par>
+                    <p:cTn id="21" fill="hold">
+                      <p:stCondLst>
+                        <p:cond delay="indefinite"/>
+                      </p:stCondLst>
+                      <p:childTnLst>
+                        <p:par>
+                          <p:cTn id="22" fill="hold">
+                            <p:stCondLst>
+                              <p:cond delay="0"/>
+                            </p:stCondLst>
+                            <p:childTnLst>
+                              <p:par>
+                                <p:cTn id="23" presetID="10" presetClass="exit" presetSubtype="0" fill="hold" grpId="0" nodeType="clickEffect">
+                                  <p:stCondLst>
+                                    <p:cond delay="0"/>
+                                  </p:stCondLst>
+                                  <p:childTnLst>
+                                    <p:animEffect transition="out" filter="fade">
+                                      <p:cBhvr>
+                                        <p:cTn id="24" dur="500"/>
+                                        <p:tgtEl>
+                                          <p:spTgt spid="11"/>
+                                        </p:tgtEl>
+                                      </p:cBhvr>
+                                    </p:animEffect>
+                                    <p:set>
+                                      <p:cBhvr>
+                                        <p:cTn id="25" dur="1" fill="hold">
+                                          <p:stCondLst>
+                                            <p:cond delay="499"/>
+                                          </p:stCondLst>
+                                        </p:cTn>
+                                        <p:tgtEl>
+                                          <p:spTgt spid="11"/>
+                                        </p:tgtEl>
+                                        <p:attrNameLst>
+                                          <p:attrName>style.visibility</p:attrName>
+                                        </p:attrNameLst>
+                                      </p:cBhvr>
+                                      <p:to>
+                                        <p:strVal val="hidden"/>
+                                      </p:to>
+                                    </p:set>
+                                  </p:childTnLst>
+                                </p:cTn>
+                              </p:par>
+                            </p:childTnLst>
+                          </p:cTn>
+                        </p:par>
+                      </p:childTnLst>
+                    </p:cTn>
+                  </p:par>
+                  <p:par>
+                    <p:cTn id="26" fill="hold">
+                      <p:stCondLst>
+                        <p:cond delay="indefinite"/>
+                      </p:stCondLst>
+                      <p:childTnLst>
+                        <p:par>
+                          <p:cTn id="27" fill="hold">
+                            <p:stCondLst>
+                              <p:cond delay="0"/>
+                            </p:stCondLst>
+                            <p:childTnLst>
+                              <p:par>
+                                <p:cTn id="28" presetID="10" presetClass="entr" presetSubtype="0" fill="hold" grpId="0" nodeType="clickEffect">
+                                  <p:stCondLst>
+                                    <p:cond delay="0"/>
+                                  </p:stCondLst>
+                                  <p:childTnLst>
+                                    <p:set>
+                                      <p:cBhvr>
+                                        <p:cTn id="29" dur="1" fill="hold">
+                                          <p:stCondLst>
+                                            <p:cond delay="0"/>
+                                          </p:stCondLst>
+                                        </p:cTn>
+                                        <p:tgtEl>
+                                          <p:spTgt spid="16"/>
+                                        </p:tgtEl>
+                                        <p:attrNameLst>
+                                          <p:attrName>style.visibility</p:attrName>
+                                        </p:attrNameLst>
+                                      </p:cBhvr>
+                                      <p:to>
+                                        <p:strVal val="visible"/>
+                                      </p:to>
+                                    </p:set>
+                                    <p:animEffect transition="in" filter="fade">
+                                      <p:cBhvr>
+                                        <p:cTn id="30" dur="500"/>
+                                        <p:tgtEl>
+                                          <p:spTgt spid="16"/>
+                                        </p:tgtEl>
+                                      </p:cBhvr>
+                                    </p:animEffect>
+                                  </p:childTnLst>
+                                </p:cTn>
+                              </p:par>
+                            </p:childTnLst>
+                          </p:cTn>
+                        </p:par>
+                      </p:childTnLst>
+                    </p:cTn>
+                  </p:par>
+                </p:childTnLst>
+              </p:cTn>
+              <p:prevCondLst>
+                <p:cond evt="onPrev" delay="0">
+                  <p:tgtEl>
+                    <p:sldTgt/>
+                  </p:tgtEl>
+                </p:cond>
+              </p:prevCondLst>
+              <p:nextCondLst>
+                <p:cond evt="onNext" delay="0">
+                  <p:tgtEl>
+                    <p:sldTgt/>
+                  </p:tgtEl>
+                </p:cond>
+              </p:nextCondLst>
+            </p:seq>
+          </p:childTnLst>
+        </p:cTn>
       </p:par>
     </p:tnLst>
+    <p:bldLst>
+      <p:bldP spid="7" grpId="0"/>
+      <p:bldP spid="9" grpId="0"/>
+      <p:bldP spid="11" grpId="0"/>
+      <p:bldP spid="12" grpId="0"/>
+      <p:bldP spid="15" grpId="0"/>
+      <p:bldP spid="16" grpId="0"/>
+    </p:bldLst>
   </p:timing>
 </p:sld>
 </file>
@@ -14014,7 +14792,12 @@
             <p:ph type="title"/>
           </p:nvPr>
         </p:nvSpPr>
-        <p:spPr/>
+        <p:spPr>
+          <a:xfrm>
+            <a:off x="685801" y="609600"/>
+            <a:ext cx="3560735" cy="1456267"/>
+          </a:xfrm>
+        </p:spPr>
         <p:txBody>
           <a:bodyPr/>
           <a:lstStyle/>
@@ -14726,8 +15509,12 @@
           <a:lstStyle/>
           <a:p>
             <a:r>
+              <a:rPr lang="en-US" dirty="0" smtClean="0"/>
+              <a:t>Predicted </a:t>
+            </a:r>
+            <a:r>
               <a:rPr lang="en-US" dirty="0"/>
-              <a:t>Predicted value: </a:t>
+              <a:t>value: </a:t>
             </a:r>
             <a:r>
               <a:rPr lang="nb-NO" dirty="0"/>
@@ -19400,6 +20187,13 @@
       </p:transition>
     </mc:Fallback>
   </mc:AlternateContent>
+  <p:timing>
+    <p:tnLst>
+      <p:par>
+        <p:cTn id="1" dur="indefinite" restart="never" nodeType="tmRoot"/>
+      </p:par>
+    </p:tnLst>
+  </p:timing>
 </p:sld>
 </file>
 
@@ -19610,6 +20404,13 @@
       </p:transition>
     </mc:Fallback>
   </mc:AlternateContent>
+  <p:timing>
+    <p:tnLst>
+      <p:par>
+        <p:cTn id="1" dur="indefinite" restart="never" nodeType="tmRoot"/>
+      </p:par>
+    </p:tnLst>
+  </p:timing>
 </p:sld>
 </file>
 
@@ -20101,6 +20902,13 @@
       </p:transition>
     </mc:Fallback>
   </mc:AlternateContent>
+  <p:timing>
+    <p:tnLst>
+      <p:par>
+        <p:cTn id="1" dur="indefinite" restart="never" nodeType="tmRoot"/>
+      </p:par>
+    </p:tnLst>
+  </p:timing>
 </p:sld>
 </file>
 
@@ -20223,6 +21031,13 @@
       </p:transition>
     </mc:Fallback>
   </mc:AlternateContent>
+  <p:timing>
+    <p:tnLst>
+      <p:par>
+        <p:cTn id="1" dur="indefinite" restart="never" nodeType="tmRoot"/>
+      </p:par>
+    </p:tnLst>
+  </p:timing>
 </p:sld>
 </file>
 

--- a/Presentations/presentation_chapter1-2.pptx
+++ b/Presentations/presentation_chapter1-2.pptx
@@ -23,7 +23,8 @@
     <p:sldId id="272" r:id="rId17"/>
     <p:sldId id="275" r:id="rId18"/>
     <p:sldId id="276" r:id="rId19"/>
-    <p:sldId id="295" r:id="rId20"/>
+    <p:sldId id="302" r:id="rId20"/>
+    <p:sldId id="295" r:id="rId21"/>
   </p:sldIdLst>
   <p:sldSz cx="12192000" cy="6858000"/>
   <p:notesSz cx="6858000" cy="9144000"/>
@@ -153,6 +154,7 @@
             <p14:sldId id="272"/>
             <p14:sldId id="275"/>
             <p14:sldId id="276"/>
+            <p14:sldId id="302"/>
             <p14:sldId id="295"/>
           </p14:sldIdLst>
         </p14:section>
@@ -3600,7 +3602,7 @@
             <a:fld id="{B61BEF0D-F0BB-DE4B-95CE-6DB70DBA9567}" type="datetimeFigureOut">
               <a:rPr lang="en-US" dirty="0"/>
               <a:pPr/>
-              <a:t>12/18/17</a:t>
+              <a:t>12/19/17</a:t>
             </a:fld>
             <a:endParaRPr lang="en-US" dirty="0"/>
           </a:p>
@@ -3943,7 +3945,7 @@
             <a:fld id="{B61BEF0D-F0BB-DE4B-95CE-6DB70DBA9567}" type="datetimeFigureOut">
               <a:rPr lang="en-US" dirty="0"/>
               <a:pPr/>
-              <a:t>12/18/17</a:t>
+              <a:t>12/19/17</a:t>
             </a:fld>
             <a:endParaRPr lang="en-US" dirty="0"/>
           </a:p>
@@ -4230,7 +4232,7 @@
             <a:fld id="{B61BEF0D-F0BB-DE4B-95CE-6DB70DBA9567}" type="datetimeFigureOut">
               <a:rPr lang="en-US" dirty="0"/>
               <a:pPr/>
-              <a:t>12/18/17</a:t>
+              <a:t>12/19/17</a:t>
             </a:fld>
             <a:endParaRPr lang="en-US" dirty="0"/>
           </a:p>
@@ -4807,7 +4809,7 @@
             <a:fld id="{B61BEF0D-F0BB-DE4B-95CE-6DB70DBA9567}" type="datetimeFigureOut">
               <a:rPr lang="en-US" dirty="0"/>
               <a:pPr/>
-              <a:t>12/18/17</a:t>
+              <a:t>12/19/17</a:t>
             </a:fld>
             <a:endParaRPr lang="en-US" dirty="0"/>
           </a:p>
@@ -5094,7 +5096,7 @@
             <a:fld id="{B61BEF0D-F0BB-DE4B-95CE-6DB70DBA9567}" type="datetimeFigureOut">
               <a:rPr lang="en-US" dirty="0"/>
               <a:pPr/>
-              <a:t>12/18/17</a:t>
+              <a:t>12/19/17</a:t>
             </a:fld>
             <a:endParaRPr lang="en-US" dirty="0"/>
           </a:p>
@@ -5665,7 +5667,7 @@
             <a:fld id="{B61BEF0D-F0BB-DE4B-95CE-6DB70DBA9567}" type="datetimeFigureOut">
               <a:rPr lang="en-US" dirty="0"/>
               <a:pPr/>
-              <a:t>12/18/17</a:t>
+              <a:t>12/19/17</a:t>
             </a:fld>
             <a:endParaRPr lang="en-US" dirty="0"/>
           </a:p>
@@ -6001,7 +6003,7 @@
             <a:fld id="{B61BEF0D-F0BB-DE4B-95CE-6DB70DBA9567}" type="datetimeFigureOut">
               <a:rPr lang="en-US" dirty="0"/>
               <a:pPr/>
-              <a:t>12/18/17</a:t>
+              <a:t>12/19/17</a:t>
             </a:fld>
             <a:endParaRPr lang="en-US" dirty="0"/>
           </a:p>
@@ -6187,7 +6189,7 @@
             <a:fld id="{B61BEF0D-F0BB-DE4B-95CE-6DB70DBA9567}" type="datetimeFigureOut">
               <a:rPr lang="en-US" dirty="0"/>
               <a:pPr/>
-              <a:t>12/18/17</a:t>
+              <a:t>12/19/17</a:t>
             </a:fld>
             <a:endParaRPr lang="en-US" dirty="0"/>
           </a:p>
@@ -6434,7 +6436,7 @@
             <a:fld id="{B61BEF0D-F0BB-DE4B-95CE-6DB70DBA9567}" type="datetimeFigureOut">
               <a:rPr lang="en-US" dirty="0"/>
               <a:pPr/>
-              <a:t>12/18/17</a:t>
+              <a:t>12/19/17</a:t>
             </a:fld>
             <a:endParaRPr lang="en-US" dirty="0"/>
           </a:p>
@@ -6643,7 +6645,7 @@
             <a:fld id="{B61BEF0D-F0BB-DE4B-95CE-6DB70DBA9567}" type="datetimeFigureOut">
               <a:rPr lang="en-US" dirty="0"/>
               <a:pPr/>
-              <a:t>12/18/17</a:t>
+              <a:t>12/19/17</a:t>
             </a:fld>
             <a:endParaRPr lang="en-US" dirty="0"/>
           </a:p>
@@ -6928,7 +6930,7 @@
             <a:fld id="{B61BEF0D-F0BB-DE4B-95CE-6DB70DBA9567}" type="datetimeFigureOut">
               <a:rPr lang="en-US" dirty="0"/>
               <a:pPr/>
-              <a:t>12/18/17</a:t>
+              <a:t>12/19/17</a:t>
             </a:fld>
             <a:endParaRPr lang="en-US" dirty="0"/>
           </a:p>
@@ -7203,7 +7205,7 @@
             <a:fld id="{B61BEF0D-F0BB-DE4B-95CE-6DB70DBA9567}" type="datetimeFigureOut">
               <a:rPr lang="en-US" dirty="0"/>
               <a:pPr/>
-              <a:t>12/18/17</a:t>
+              <a:t>12/19/17</a:t>
             </a:fld>
             <a:endParaRPr lang="en-US" dirty="0"/>
           </a:p>
@@ -7586,7 +7588,7 @@
             <a:fld id="{B61BEF0D-F0BB-DE4B-95CE-6DB70DBA9567}" type="datetimeFigureOut">
               <a:rPr lang="en-US" dirty="0"/>
               <a:pPr/>
-              <a:t>12/18/17</a:t>
+              <a:t>12/19/17</a:t>
             </a:fld>
             <a:endParaRPr lang="en-US" dirty="0"/>
           </a:p>
@@ -7743,7 +7745,7 @@
             <a:fld id="{B61BEF0D-F0BB-DE4B-95CE-6DB70DBA9567}" type="datetimeFigureOut">
               <a:rPr lang="en-US" dirty="0"/>
               <a:pPr/>
-              <a:t>12/18/17</a:t>
+              <a:t>12/19/17</a:t>
             </a:fld>
             <a:endParaRPr lang="en-US" dirty="0"/>
           </a:p>
@@ -7877,7 +7879,7 @@
             <a:fld id="{B61BEF0D-F0BB-DE4B-95CE-6DB70DBA9567}" type="datetimeFigureOut">
               <a:rPr lang="en-US" dirty="0"/>
               <a:pPr/>
-              <a:t>12/18/17</a:t>
+              <a:t>12/19/17</a:t>
             </a:fld>
             <a:endParaRPr lang="en-US" dirty="0"/>
           </a:p>
@@ -8171,7 +8173,7 @@
             <a:fld id="{B61BEF0D-F0BB-DE4B-95CE-6DB70DBA9567}" type="datetimeFigureOut">
               <a:rPr lang="en-US" dirty="0"/>
               <a:pPr/>
-              <a:t>12/18/17</a:t>
+              <a:t>12/19/17</a:t>
             </a:fld>
             <a:endParaRPr lang="en-US" dirty="0"/>
           </a:p>
@@ -8504,7 +8506,7 @@
             <a:fld id="{B61BEF0D-F0BB-DE4B-95CE-6DB70DBA9567}" type="datetimeFigureOut">
               <a:rPr lang="en-US" dirty="0"/>
               <a:pPr/>
-              <a:t>12/18/17</a:t>
+              <a:t>12/19/17</a:t>
             </a:fld>
             <a:endParaRPr lang="en-US" dirty="0"/>
           </a:p>
@@ -8727,7 +8729,7 @@
             <a:fld id="{B61BEF0D-F0BB-DE4B-95CE-6DB70DBA9567}" type="datetimeFigureOut">
               <a:rPr lang="en-US" dirty="0"/>
               <a:pPr/>
-              <a:t>12/18/17</a:t>
+              <a:t>12/19/17</a:t>
             </a:fld>
             <a:endParaRPr lang="en-US" dirty="0"/>
           </a:p>
@@ -9327,11 +9329,7 @@
           <a:p>
             <a:r>
               <a:rPr lang="en-US" sz="1300" dirty="0" smtClean="0"/>
-              <a:t>Josiah and </a:t>
-            </a:r>
-            <a:r>
-              <a:rPr lang="en-US" sz="1300" dirty="0" smtClean="0"/>
-              <a:t>Elisha </a:t>
+              <a:t>Josiah and Elisha </a:t>
             </a:r>
             <a:r>
               <a:rPr lang="en-US" sz="1300" dirty="0" err="1" smtClean="0"/>
@@ -9886,11 +9884,7 @@
             </a:r>
             <a:r>
               <a:rPr lang="en-US" dirty="0" smtClean="0"/>
-              <a:t>(more than one </a:t>
-            </a:r>
-            <a:r>
-              <a:rPr lang="en-US" dirty="0" smtClean="0"/>
-              <a:t>layer)</a:t>
+              <a:t>(more than one layer)</a:t>
             </a:r>
             <a:endParaRPr lang="en-US" dirty="0"/>
           </a:p>
@@ -13382,8 +13376,8 @@
           </a:p>
         </p:txBody>
       </p:sp>
-      <mc:AlternateContent xmlns:mc="http://schemas.openxmlformats.org/markup-compatibility/2006">
-        <mc:Choice xmlns:a14="http://schemas.microsoft.com/office/drawing/2010/main" Requires="a14">
+      <mc:AlternateContent xmlns:mc="http://schemas.openxmlformats.org/markup-compatibility/2006" xmlns:a14="http://schemas.microsoft.com/office/drawing/2010/main">
+        <mc:Choice Requires="a14">
           <p:sp>
             <p:nvSpPr>
               <p:cNvPr id="5" name="TextBox 4"/>
@@ -13648,21 +13642,13 @@
               <a:p>
                 <a:r>
                   <a:rPr lang="en-US" dirty="0" smtClean="0"/>
-                  <a:t>We want to move down the slope of the weights to </a:t>
-                </a:r>
-                <a:r>
-                  <a:rPr lang="en-US" dirty="0" smtClean="0"/>
-                  <a:t>minimize </a:t>
-                </a:r>
-                <a:r>
-                  <a:rPr lang="en-US" dirty="0" smtClean="0"/>
-                  <a:t>the loss</a:t>
+                  <a:t>We want to move down the slope of the weights to minimize the loss</a:t>
                 </a:r>
               </a:p>
             </p:txBody>
           </p:sp>
         </mc:Choice>
-        <mc:Fallback>
+        <mc:Fallback xmlns="">
           <p:sp>
             <p:nvSpPr>
               <p:cNvPr id="5" name="TextBox 4"/>
@@ -13824,15 +13810,7 @@
                 <a:ea typeface="Cambria Math" charset="0"/>
                 <a:cs typeface="Cambria Math" charset="0"/>
               </a:rPr>
-              <a:t>The node value feeding int</a:t>
-            </a:r>
-            <a:r>
-              <a:rPr lang="en-US" dirty="0" smtClean="0">
-                <a:latin typeface="Cambria Math" charset="0"/>
-                <a:ea typeface="Cambria Math" charset="0"/>
-                <a:cs typeface="Cambria Math" charset="0"/>
-              </a:rPr>
-              <a:t>o that weight</a:t>
+              <a:t>The node value feeding into that weight</a:t>
             </a:r>
           </a:p>
           <a:p>
@@ -13894,11 +13872,6 @@
               </a:rPr>
               <a:t> of the loss function of the node the weight is feeding into</a:t>
             </a:r>
-            <a:endParaRPr lang="en-US" dirty="0" smtClean="0">
-              <a:latin typeface="Cambria Math" charset="0"/>
-              <a:ea typeface="Cambria Math" charset="0"/>
-              <a:cs typeface="Cambria Math" charset="0"/>
-            </a:endParaRPr>
           </a:p>
           <a:p>
             <a:r>
@@ -13944,11 +13917,7 @@
             </a:r>
             <a:r>
               <a:rPr lang="en-US" dirty="0" smtClean="0"/>
-              <a:t> </a:t>
-            </a:r>
-            <a:r>
-              <a:rPr lang="en-US" dirty="0" smtClean="0"/>
-              <a:t>= </a:t>
+              <a:t> = </a:t>
             </a:r>
             <a:r>
               <a:rPr lang="en-US" dirty="0" err="1" smtClean="0"/>
@@ -13958,7 +13927,6 @@
               <a:rPr lang="en-US" dirty="0" smtClean="0"/>
               <a:t> - adjustment</a:t>
             </a:r>
-            <a:endParaRPr lang="en-US" dirty="0" smtClean="0"/>
           </a:p>
         </p:txBody>
       </p:sp>
@@ -15087,8 +15055,8 @@
           </a:p>
         </p:txBody>
       </p:sp>
-      <mc:AlternateContent xmlns:mc="http://schemas.openxmlformats.org/markup-compatibility/2006">
-        <mc:Choice xmlns:a14="http://schemas.microsoft.com/office/drawing/2010/main" Requires="a14">
+      <mc:AlternateContent xmlns:mc="http://schemas.openxmlformats.org/markup-compatibility/2006" xmlns:a14="http://schemas.microsoft.com/office/drawing/2010/main">
+        <mc:Choice Requires="a14">
           <p:sp>
             <p:nvSpPr>
               <p:cNvPr id="15" name="TextBox 14"/>
@@ -15240,15 +15208,7 @@
                         <a:ea typeface="Cambria Math" charset="0"/>
                         <a:cs typeface="Cambria Math" charset="0"/>
                       </a:rPr>
-                      <m:t>𝑤</m:t>
-                    </m:r>
-                    <m:r>
-                      <a:rPr lang="en-US" b="0" i="1" smtClean="0">
-                        <a:latin typeface="Cambria Math" charset="0"/>
-                        <a:ea typeface="Cambria Math" charset="0"/>
-                        <a:cs typeface="Cambria Math" charset="0"/>
-                      </a:rPr>
-                      <m:t>𝑒𝑖𝑔h𝑡</m:t>
+                      <m:t>𝑤𝑒𝑖𝑔h𝑡</m:t>
                     </m:r>
                     <m:r>
                       <a:rPr lang="en-US" b="0" i="1" smtClean="0">
@@ -15291,7 +15251,7 @@
             </p:txBody>
           </p:sp>
         </mc:Choice>
-        <mc:Fallback>
+        <mc:Fallback xmlns="">
           <p:sp>
             <p:nvSpPr>
               <p:cNvPr id="15" name="TextBox 14"/>
@@ -16071,7 +16031,7 @@
           <p:cNvPr id="32" name="Rectangle 31">
             <a:extLst>
               <a:ext uri="{FF2B5EF4-FFF2-40B4-BE49-F238E27FC236}">
-                <a16:creationId xmlns="" xmlns:a16="http://schemas.microsoft.com/office/drawing/2014/main" id="{98B88090-4AD5-4F87-AD5F-74F182D97AED}"/>
+                <a16:creationId xmlns:a16="http://schemas.microsoft.com/office/drawing/2014/main" xmlns="" id="{98B88090-4AD5-4F87-AD5F-74F182D97AED}"/>
               </a:ext>
             </a:extLst>
           </p:cNvPr>
@@ -16120,7 +16080,7 @@
           <p:cNvPr id="33" name="Rectangle 32">
             <a:extLst>
               <a:ext uri="{FF2B5EF4-FFF2-40B4-BE49-F238E27FC236}">
-                <a16:creationId xmlns="" xmlns:a16="http://schemas.microsoft.com/office/drawing/2014/main" id="{2049A503-4D10-4D31-8585-779411F377AE}"/>
+                <a16:creationId xmlns:a16="http://schemas.microsoft.com/office/drawing/2014/main" xmlns="" id="{2049A503-4D10-4D31-8585-779411F377AE}"/>
               </a:ext>
             </a:extLst>
           </p:cNvPr>
@@ -16169,7 +16129,7 @@
           <p:cNvPr id="34" name="Oval 33">
             <a:extLst>
               <a:ext uri="{FF2B5EF4-FFF2-40B4-BE49-F238E27FC236}">
-                <a16:creationId xmlns="" xmlns:a16="http://schemas.microsoft.com/office/drawing/2014/main" id="{B9751182-F8D8-4036-A86F-073FFD1C8A0B}"/>
+                <a16:creationId xmlns:a16="http://schemas.microsoft.com/office/drawing/2014/main" xmlns="" id="{B9751182-F8D8-4036-A86F-073FFD1C8A0B}"/>
               </a:ext>
             </a:extLst>
           </p:cNvPr>
@@ -16218,7 +16178,7 @@
           <p:cNvPr id="35" name="Straight Arrow Connector 34">
             <a:extLst>
               <a:ext uri="{FF2B5EF4-FFF2-40B4-BE49-F238E27FC236}">
-                <a16:creationId xmlns="" xmlns:a16="http://schemas.microsoft.com/office/drawing/2014/main" id="{DFFCFD90-DA04-4426-9376-358B6C881BE8}"/>
+                <a16:creationId xmlns:a16="http://schemas.microsoft.com/office/drawing/2014/main" xmlns="" id="{DFFCFD90-DA04-4426-9376-358B6C881BE8}"/>
               </a:ext>
             </a:extLst>
           </p:cNvPr>
@@ -16260,7 +16220,7 @@
           <p:cNvPr id="36" name="Straight Arrow Connector 35">
             <a:extLst>
               <a:ext uri="{FF2B5EF4-FFF2-40B4-BE49-F238E27FC236}">
-                <a16:creationId xmlns="" xmlns:a16="http://schemas.microsoft.com/office/drawing/2014/main" id="{50472833-A364-4DDE-B784-29D52359D45D}"/>
+                <a16:creationId xmlns:a16="http://schemas.microsoft.com/office/drawing/2014/main" xmlns="" id="{50472833-A364-4DDE-B784-29D52359D45D}"/>
               </a:ext>
             </a:extLst>
           </p:cNvPr>
@@ -16301,7 +16261,7 @@
           <p:cNvPr id="39" name="Oval 38">
             <a:extLst>
               <a:ext uri="{FF2B5EF4-FFF2-40B4-BE49-F238E27FC236}">
-                <a16:creationId xmlns="" xmlns:a16="http://schemas.microsoft.com/office/drawing/2014/main" id="{C74F13F5-7CAC-4CDA-89A5-66B4FBE6F8A3}"/>
+                <a16:creationId xmlns:a16="http://schemas.microsoft.com/office/drawing/2014/main" xmlns="" id="{C74F13F5-7CAC-4CDA-89A5-66B4FBE6F8A3}"/>
               </a:ext>
             </a:extLst>
           </p:cNvPr>
@@ -16347,7 +16307,7 @@
           <p:cNvPr id="40" name="Oval 39">
             <a:extLst>
               <a:ext uri="{FF2B5EF4-FFF2-40B4-BE49-F238E27FC236}">
-                <a16:creationId xmlns="" xmlns:a16="http://schemas.microsoft.com/office/drawing/2014/main" id="{B39588E7-2AA9-41FE-A33A-B3281C396E9A}"/>
+                <a16:creationId xmlns:a16="http://schemas.microsoft.com/office/drawing/2014/main" xmlns="" id="{B39588E7-2AA9-41FE-A33A-B3281C396E9A}"/>
               </a:ext>
             </a:extLst>
           </p:cNvPr>
@@ -16393,7 +16353,7 @@
           <p:cNvPr id="41" name="Straight Arrow Connector 40">
             <a:extLst>
               <a:ext uri="{FF2B5EF4-FFF2-40B4-BE49-F238E27FC236}">
-                <a16:creationId xmlns="" xmlns:a16="http://schemas.microsoft.com/office/drawing/2014/main" id="{6B344C2C-5A40-47B7-BC9F-156491FA1717}"/>
+                <a16:creationId xmlns:a16="http://schemas.microsoft.com/office/drawing/2014/main" xmlns="" id="{6B344C2C-5A40-47B7-BC9F-156491FA1717}"/>
               </a:ext>
             </a:extLst>
           </p:cNvPr>
@@ -16434,7 +16394,7 @@
           <p:cNvPr id="42" name="Straight Arrow Connector 41">
             <a:extLst>
               <a:ext uri="{FF2B5EF4-FFF2-40B4-BE49-F238E27FC236}">
-                <a16:creationId xmlns="" xmlns:a16="http://schemas.microsoft.com/office/drawing/2014/main" id="{3863EC04-CC43-4BB1-B598-533A1C163F92}"/>
+                <a16:creationId xmlns:a16="http://schemas.microsoft.com/office/drawing/2014/main" xmlns="" id="{3863EC04-CC43-4BB1-B598-533A1C163F92}"/>
               </a:ext>
             </a:extLst>
           </p:cNvPr>
@@ -16475,7 +16435,7 @@
           <p:cNvPr id="43" name="Straight Arrow Connector 42">
             <a:extLst>
               <a:ext uri="{FF2B5EF4-FFF2-40B4-BE49-F238E27FC236}">
-                <a16:creationId xmlns="" xmlns:a16="http://schemas.microsoft.com/office/drawing/2014/main" id="{5D335751-75F2-4AF5-B52D-C1CD362A8F15}"/>
+                <a16:creationId xmlns:a16="http://schemas.microsoft.com/office/drawing/2014/main" xmlns="" id="{5D335751-75F2-4AF5-B52D-C1CD362A8F15}"/>
               </a:ext>
             </a:extLst>
           </p:cNvPr>
@@ -16517,7 +16477,7 @@
           <p:cNvPr id="44" name="Straight Arrow Connector 43">
             <a:extLst>
               <a:ext uri="{FF2B5EF4-FFF2-40B4-BE49-F238E27FC236}">
-                <a16:creationId xmlns="" xmlns:a16="http://schemas.microsoft.com/office/drawing/2014/main" id="{10D6B312-DC2F-40F8-B985-62187AE4A1B5}"/>
+                <a16:creationId xmlns:a16="http://schemas.microsoft.com/office/drawing/2014/main" xmlns="" id="{10D6B312-DC2F-40F8-B985-62187AE4A1B5}"/>
               </a:ext>
             </a:extLst>
           </p:cNvPr>
@@ -16559,7 +16519,7 @@
           <p:cNvPr id="45" name="TextBox 44">
             <a:extLst>
               <a:ext uri="{FF2B5EF4-FFF2-40B4-BE49-F238E27FC236}">
-                <a16:creationId xmlns="" xmlns:a16="http://schemas.microsoft.com/office/drawing/2014/main" id="{9BDF917A-AE72-4735-BFFC-BBE528AB9810}"/>
+                <a16:creationId xmlns:a16="http://schemas.microsoft.com/office/drawing/2014/main" xmlns="" id="{9BDF917A-AE72-4735-BFFC-BBE528AB9810}"/>
               </a:ext>
             </a:extLst>
           </p:cNvPr>
@@ -16598,7 +16558,7 @@
           <p:cNvPr id="52" name="TextBox 51">
             <a:extLst>
               <a:ext uri="{FF2B5EF4-FFF2-40B4-BE49-F238E27FC236}">
-                <a16:creationId xmlns="" xmlns:a16="http://schemas.microsoft.com/office/drawing/2014/main" id="{DD0E06F1-4FB8-4033-9758-3FB295BBDD15}"/>
+                <a16:creationId xmlns:a16="http://schemas.microsoft.com/office/drawing/2014/main" xmlns="" id="{DD0E06F1-4FB8-4033-9758-3FB295BBDD15}"/>
               </a:ext>
             </a:extLst>
           </p:cNvPr>
@@ -16637,7 +16597,7 @@
           <p:cNvPr id="53" name="TextBox 52">
             <a:extLst>
               <a:ext uri="{FF2B5EF4-FFF2-40B4-BE49-F238E27FC236}">
-                <a16:creationId xmlns="" xmlns:a16="http://schemas.microsoft.com/office/drawing/2014/main" id="{A63F3445-E83C-407F-AD27-3DC7CDB5C444}"/>
+                <a16:creationId xmlns:a16="http://schemas.microsoft.com/office/drawing/2014/main" xmlns="" id="{A63F3445-E83C-407F-AD27-3DC7CDB5C444}"/>
               </a:ext>
             </a:extLst>
           </p:cNvPr>
@@ -16676,7 +16636,7 @@
           <p:cNvPr id="54" name="TextBox 53">
             <a:extLst>
               <a:ext uri="{FF2B5EF4-FFF2-40B4-BE49-F238E27FC236}">
-                <a16:creationId xmlns="" xmlns:a16="http://schemas.microsoft.com/office/drawing/2014/main" id="{A2727856-FA09-4250-82B6-33B0F7ED7E67}"/>
+                <a16:creationId xmlns:a16="http://schemas.microsoft.com/office/drawing/2014/main" xmlns="" id="{A2727856-FA09-4250-82B6-33B0F7ED7E67}"/>
               </a:ext>
             </a:extLst>
           </p:cNvPr>
@@ -16715,7 +16675,7 @@
           <p:cNvPr id="55" name="Rectangle 54">
             <a:extLst>
               <a:ext uri="{FF2B5EF4-FFF2-40B4-BE49-F238E27FC236}">
-                <a16:creationId xmlns="" xmlns:a16="http://schemas.microsoft.com/office/drawing/2014/main" id="{6F188D8F-2A49-4752-AB70-1009D7152377}"/>
+                <a16:creationId xmlns:a16="http://schemas.microsoft.com/office/drawing/2014/main" xmlns="" id="{6F188D8F-2A49-4752-AB70-1009D7152377}"/>
               </a:ext>
             </a:extLst>
           </p:cNvPr>
@@ -16750,7 +16710,7 @@
           <p:cNvPr id="56" name="Rectangle 55">
             <a:extLst>
               <a:ext uri="{FF2B5EF4-FFF2-40B4-BE49-F238E27FC236}">
-                <a16:creationId xmlns="" xmlns:a16="http://schemas.microsoft.com/office/drawing/2014/main" id="{7AD18869-84F4-4C3A-8302-34F5CD238774}"/>
+                <a16:creationId xmlns:a16="http://schemas.microsoft.com/office/drawing/2014/main" xmlns="" id="{7AD18869-84F4-4C3A-8302-34F5CD238774}"/>
               </a:ext>
             </a:extLst>
           </p:cNvPr>
@@ -16785,7 +16745,7 @@
           <p:cNvPr id="57" name="TextBox 56">
             <a:extLst>
               <a:ext uri="{FF2B5EF4-FFF2-40B4-BE49-F238E27FC236}">
-                <a16:creationId xmlns="" xmlns:a16="http://schemas.microsoft.com/office/drawing/2014/main" id="{A3C6A012-946B-4315-88DE-63BE1C662DB2}"/>
+                <a16:creationId xmlns:a16="http://schemas.microsoft.com/office/drawing/2014/main" xmlns="" id="{A3C6A012-946B-4315-88DE-63BE1C662DB2}"/>
               </a:ext>
             </a:extLst>
           </p:cNvPr>
@@ -16824,7 +16784,7 @@
           <p:cNvPr id="58" name="TextBox 57">
             <a:extLst>
               <a:ext uri="{FF2B5EF4-FFF2-40B4-BE49-F238E27FC236}">
-                <a16:creationId xmlns="" xmlns:a16="http://schemas.microsoft.com/office/drawing/2014/main" id="{3259B26C-0E3A-43FA-AE22-49D5E64B8233}"/>
+                <a16:creationId xmlns:a16="http://schemas.microsoft.com/office/drawing/2014/main" xmlns="" id="{3259B26C-0E3A-43FA-AE22-49D5E64B8233}"/>
               </a:ext>
             </a:extLst>
           </p:cNvPr>
@@ -16863,7 +16823,7 @@
           <p:cNvPr id="59" name="Rectangle 58">
             <a:extLst>
               <a:ext uri="{FF2B5EF4-FFF2-40B4-BE49-F238E27FC236}">
-                <a16:creationId xmlns="" xmlns:a16="http://schemas.microsoft.com/office/drawing/2014/main" id="{DA66B453-6852-46C1-BF67-1E3821DED861}"/>
+                <a16:creationId xmlns:a16="http://schemas.microsoft.com/office/drawing/2014/main" xmlns="" id="{DA66B453-6852-46C1-BF67-1E3821DED861}"/>
               </a:ext>
             </a:extLst>
           </p:cNvPr>
@@ -16898,7 +16858,7 @@
           <p:cNvPr id="60" name="Straight Connector 59">
             <a:extLst>
               <a:ext uri="{FF2B5EF4-FFF2-40B4-BE49-F238E27FC236}">
-                <a16:creationId xmlns="" xmlns:a16="http://schemas.microsoft.com/office/drawing/2014/main" id="{6ADB25E3-9BC0-42AD-9F0D-90FBE9E1A69C}"/>
+                <a16:creationId xmlns:a16="http://schemas.microsoft.com/office/drawing/2014/main" xmlns="" id="{6ADB25E3-9BC0-42AD-9F0D-90FBE9E1A69C}"/>
               </a:ext>
             </a:extLst>
           </p:cNvPr>
@@ -16937,7 +16897,7 @@
           <p:cNvPr id="61" name="TextBox 60">
             <a:extLst>
               <a:ext uri="{FF2B5EF4-FFF2-40B4-BE49-F238E27FC236}">
-                <a16:creationId xmlns="" xmlns:a16="http://schemas.microsoft.com/office/drawing/2014/main" id="{10C75D46-352E-4305-AA07-899AD2BA1F97}"/>
+                <a16:creationId xmlns:a16="http://schemas.microsoft.com/office/drawing/2014/main" xmlns="" id="{10C75D46-352E-4305-AA07-899AD2BA1F97}"/>
               </a:ext>
             </a:extLst>
           </p:cNvPr>
@@ -16972,7 +16932,7 @@
           <p:cNvPr id="62" name="TextBox 61">
             <a:extLst>
               <a:ext uri="{FF2B5EF4-FFF2-40B4-BE49-F238E27FC236}">
-                <a16:creationId xmlns="" xmlns:a16="http://schemas.microsoft.com/office/drawing/2014/main" id="{20E202C7-ED89-43C9-B6C9-B7EE6B193BCF}"/>
+                <a16:creationId xmlns:a16="http://schemas.microsoft.com/office/drawing/2014/main" xmlns="" id="{20E202C7-ED89-43C9-B6C9-B7EE6B193BCF}"/>
               </a:ext>
             </a:extLst>
           </p:cNvPr>
@@ -17013,7 +16973,7 @@
           <p:cNvPr id="63" name="Straight Connector 62">
             <a:extLst>
               <a:ext uri="{FF2B5EF4-FFF2-40B4-BE49-F238E27FC236}">
-                <a16:creationId xmlns="" xmlns:a16="http://schemas.microsoft.com/office/drawing/2014/main" id="{005DB862-DFA1-44B2-8701-40D69DE21694}"/>
+                <a16:creationId xmlns:a16="http://schemas.microsoft.com/office/drawing/2014/main" xmlns="" id="{005DB862-DFA1-44B2-8701-40D69DE21694}"/>
               </a:ext>
             </a:extLst>
           </p:cNvPr>
@@ -17049,7 +17009,7 @@
           <p:cNvPr id="64" name="TextBox 63">
             <a:extLst>
               <a:ext uri="{FF2B5EF4-FFF2-40B4-BE49-F238E27FC236}">
-                <a16:creationId xmlns="" xmlns:a16="http://schemas.microsoft.com/office/drawing/2014/main" id="{F9FFAC76-2BBE-46EA-A88A-5FD5A374EC93}"/>
+                <a16:creationId xmlns:a16="http://schemas.microsoft.com/office/drawing/2014/main" xmlns="" id="{F9FFAC76-2BBE-46EA-A88A-5FD5A374EC93}"/>
               </a:ext>
             </a:extLst>
           </p:cNvPr>
@@ -17084,7 +17044,7 @@
           <p:cNvPr id="65" name="TextBox 64">
             <a:extLst>
               <a:ext uri="{FF2B5EF4-FFF2-40B4-BE49-F238E27FC236}">
-                <a16:creationId xmlns="" xmlns:a16="http://schemas.microsoft.com/office/drawing/2014/main" id="{18CAC8A4-9353-4CB1-9BA2-857F343FCABA}"/>
+                <a16:creationId xmlns:a16="http://schemas.microsoft.com/office/drawing/2014/main" xmlns="" id="{18CAC8A4-9353-4CB1-9BA2-857F343FCABA}"/>
               </a:ext>
             </a:extLst>
           </p:cNvPr>
@@ -17131,7 +17091,7 @@
           <p:cNvPr id="3" name="Rectangle 2">
             <a:extLst>
               <a:ext uri="{FF2B5EF4-FFF2-40B4-BE49-F238E27FC236}">
-                <a16:creationId xmlns="" xmlns:a16="http://schemas.microsoft.com/office/drawing/2014/main" id="{3A2C6312-3C6B-40FF-90F2-3F4C86C499BD}"/>
+                <a16:creationId xmlns:a16="http://schemas.microsoft.com/office/drawing/2014/main" xmlns="" id="{3A2C6312-3C6B-40FF-90F2-3F4C86C499BD}"/>
               </a:ext>
             </a:extLst>
           </p:cNvPr>
@@ -17187,7 +17147,7 @@
               <p:cNvPr id="4" name="Rectangle 3">
                 <a:extLst>
                   <a:ext uri="{FF2B5EF4-FFF2-40B4-BE49-F238E27FC236}">
-                    <a16:creationId xmlns="" xmlns:a16="http://schemas.microsoft.com/office/drawing/2014/main" id="{621C9405-8D4E-4A84-9BE9-CC60226941A5}"/>
+                    <a16:creationId xmlns:a16="http://schemas.microsoft.com/office/drawing/2014/main" xmlns="" id="{621C9405-8D4E-4A84-9BE9-CC60226941A5}"/>
                   </a:ext>
                 </a:extLst>
               </p:cNvPr>
@@ -17577,7 +17537,7 @@
           <p:cNvPr id="5" name="TextBox 4">
             <a:extLst>
               <a:ext uri="{FF2B5EF4-FFF2-40B4-BE49-F238E27FC236}">
-                <a16:creationId xmlns="" xmlns:a16="http://schemas.microsoft.com/office/drawing/2014/main" id="{A70AE250-D349-4151-B9D5-0B62C1155CA2}"/>
+                <a16:creationId xmlns:a16="http://schemas.microsoft.com/office/drawing/2014/main" xmlns="" id="{A70AE250-D349-4151-B9D5-0B62C1155CA2}"/>
               </a:ext>
             </a:extLst>
           </p:cNvPr>
@@ -17620,7 +17580,7 @@
           <p:cNvPr id="69" name="TextBox 68">
             <a:extLst>
               <a:ext uri="{FF2B5EF4-FFF2-40B4-BE49-F238E27FC236}">
-                <a16:creationId xmlns="" xmlns:a16="http://schemas.microsoft.com/office/drawing/2014/main" id="{3A6414EA-00FD-4804-93D6-E312FDBD845B}"/>
+                <a16:creationId xmlns:a16="http://schemas.microsoft.com/office/drawing/2014/main" xmlns="" id="{3A6414EA-00FD-4804-93D6-E312FDBD845B}"/>
               </a:ext>
             </a:extLst>
           </p:cNvPr>
@@ -17663,7 +17623,7 @@
           <p:cNvPr id="70" name="Picture 69">
             <a:extLst>
               <a:ext uri="{FF2B5EF4-FFF2-40B4-BE49-F238E27FC236}">
-                <a16:creationId xmlns="" xmlns:a16="http://schemas.microsoft.com/office/drawing/2014/main" id="{32000669-E998-4347-941C-8F5A1164FB86}"/>
+                <a16:creationId xmlns:a16="http://schemas.microsoft.com/office/drawing/2014/main" xmlns="" id="{32000669-E998-4347-941C-8F5A1164FB86}"/>
               </a:ext>
             </a:extLst>
           </p:cNvPr>
@@ -17721,7 +17681,7 @@
           <p:cNvPr id="71" name="TextBox 70">
             <a:extLst>
               <a:ext uri="{FF2B5EF4-FFF2-40B4-BE49-F238E27FC236}">
-                <a16:creationId xmlns="" xmlns:a16="http://schemas.microsoft.com/office/drawing/2014/main" id="{E1BFD349-C516-49E9-8762-3FBD1C6781AD}"/>
+                <a16:creationId xmlns:a16="http://schemas.microsoft.com/office/drawing/2014/main" xmlns="" id="{E1BFD349-C516-49E9-8762-3FBD1C6781AD}"/>
               </a:ext>
             </a:extLst>
           </p:cNvPr>
@@ -17764,7 +17724,7 @@
           <p:cNvPr id="72" name="TextBox 71">
             <a:extLst>
               <a:ext uri="{FF2B5EF4-FFF2-40B4-BE49-F238E27FC236}">
-                <a16:creationId xmlns="" xmlns:a16="http://schemas.microsoft.com/office/drawing/2014/main" id="{CEC1389D-9CF9-4AB2-9035-8A3394DFE940}"/>
+                <a16:creationId xmlns:a16="http://schemas.microsoft.com/office/drawing/2014/main" xmlns="" id="{CEC1389D-9CF9-4AB2-9035-8A3394DFE940}"/>
               </a:ext>
             </a:extLst>
           </p:cNvPr>
@@ -17807,7 +17767,7 @@
           <p:cNvPr id="73" name="Rectangle 72">
             <a:extLst>
               <a:ext uri="{FF2B5EF4-FFF2-40B4-BE49-F238E27FC236}">
-                <a16:creationId xmlns="" xmlns:a16="http://schemas.microsoft.com/office/drawing/2014/main" id="{71CBB722-8DF3-45B7-81B2-9587D08E9D52}"/>
+                <a16:creationId xmlns:a16="http://schemas.microsoft.com/office/drawing/2014/main" xmlns="" id="{71CBB722-8DF3-45B7-81B2-9587D08E9D52}"/>
               </a:ext>
             </a:extLst>
           </p:cNvPr>
@@ -17861,7 +17821,7 @@
           <p:cNvPr id="74" name="TextBox 73">
             <a:extLst>
               <a:ext uri="{FF2B5EF4-FFF2-40B4-BE49-F238E27FC236}">
-                <a16:creationId xmlns="" xmlns:a16="http://schemas.microsoft.com/office/drawing/2014/main" id="{FC70DB77-894B-4B18-95B4-5EE9179173F3}"/>
+                <a16:creationId xmlns:a16="http://schemas.microsoft.com/office/drawing/2014/main" xmlns="" id="{FC70DB77-894B-4B18-95B4-5EE9179173F3}"/>
               </a:ext>
             </a:extLst>
           </p:cNvPr>
@@ -17904,7 +17864,7 @@
           <p:cNvPr id="76" name="TextBox 75">
             <a:extLst>
               <a:ext uri="{FF2B5EF4-FFF2-40B4-BE49-F238E27FC236}">
-                <a16:creationId xmlns="" xmlns:a16="http://schemas.microsoft.com/office/drawing/2014/main" id="{91EBAE28-4D1C-463E-9D01-978C8CF5010F}"/>
+                <a16:creationId xmlns:a16="http://schemas.microsoft.com/office/drawing/2014/main" xmlns="" id="{91EBAE28-4D1C-463E-9D01-978C8CF5010F}"/>
               </a:ext>
             </a:extLst>
           </p:cNvPr>
@@ -17947,7 +17907,7 @@
           <p:cNvPr id="78" name="TextBox 77">
             <a:extLst>
               <a:ext uri="{FF2B5EF4-FFF2-40B4-BE49-F238E27FC236}">
-                <a16:creationId xmlns="" xmlns:a16="http://schemas.microsoft.com/office/drawing/2014/main" id="{5FC9A2ED-688D-48FF-9B94-2BF8342E5AA8}"/>
+                <a16:creationId xmlns:a16="http://schemas.microsoft.com/office/drawing/2014/main" xmlns="" id="{5FC9A2ED-688D-48FF-9B94-2BF8342E5AA8}"/>
               </a:ext>
             </a:extLst>
           </p:cNvPr>
@@ -17990,7 +17950,7 @@
           <p:cNvPr id="79" name="TextBox 78">
             <a:extLst>
               <a:ext uri="{FF2B5EF4-FFF2-40B4-BE49-F238E27FC236}">
-                <a16:creationId xmlns="" xmlns:a16="http://schemas.microsoft.com/office/drawing/2014/main" id="{E4086D43-EBE4-4C02-A42C-B1957EE71DA8}"/>
+                <a16:creationId xmlns:a16="http://schemas.microsoft.com/office/drawing/2014/main" xmlns="" id="{E4086D43-EBE4-4C02-A42C-B1957EE71DA8}"/>
               </a:ext>
             </a:extLst>
           </p:cNvPr>
@@ -18033,7 +17993,7 @@
           <p:cNvPr id="80" name="TextBox 79">
             <a:extLst>
               <a:ext uri="{FF2B5EF4-FFF2-40B4-BE49-F238E27FC236}">
-                <a16:creationId xmlns="" xmlns:a16="http://schemas.microsoft.com/office/drawing/2014/main" id="{7453E16F-C056-4A96-90DB-5DB76A9E0619}"/>
+                <a16:creationId xmlns:a16="http://schemas.microsoft.com/office/drawing/2014/main" xmlns="" id="{7453E16F-C056-4A96-90DB-5DB76A9E0619}"/>
               </a:ext>
             </a:extLst>
           </p:cNvPr>
@@ -18076,7 +18036,7 @@
           <p:cNvPr id="81" name="Rectangle 80">
             <a:extLst>
               <a:ext uri="{FF2B5EF4-FFF2-40B4-BE49-F238E27FC236}">
-                <a16:creationId xmlns="" xmlns:a16="http://schemas.microsoft.com/office/drawing/2014/main" id="{F3F9B756-FCC5-471B-B5BF-27453D7C4A7F}"/>
+                <a16:creationId xmlns:a16="http://schemas.microsoft.com/office/drawing/2014/main" xmlns="" id="{F3F9B756-FCC5-471B-B5BF-27453D7C4A7F}"/>
               </a:ext>
             </a:extLst>
           </p:cNvPr>
@@ -18130,7 +18090,7 @@
           <p:cNvPr id="6" name="Rectangle 5">
             <a:extLst>
               <a:ext uri="{FF2B5EF4-FFF2-40B4-BE49-F238E27FC236}">
-                <a16:creationId xmlns="" xmlns:a16="http://schemas.microsoft.com/office/drawing/2014/main" id="{FFC178D3-28AA-4B08-AEC0-D263C714D903}"/>
+                <a16:creationId xmlns:a16="http://schemas.microsoft.com/office/drawing/2014/main" xmlns="" id="{FFC178D3-28AA-4B08-AEC0-D263C714D903}"/>
               </a:ext>
             </a:extLst>
           </p:cNvPr>
@@ -18172,7 +18132,7 @@
           <p:cNvPr id="83" name="Rectangle 82">
             <a:extLst>
               <a:ext uri="{FF2B5EF4-FFF2-40B4-BE49-F238E27FC236}">
-                <a16:creationId xmlns="" xmlns:a16="http://schemas.microsoft.com/office/drawing/2014/main" id="{403A22E6-F2DA-4306-895D-4F617C66C8AA}"/>
+                <a16:creationId xmlns:a16="http://schemas.microsoft.com/office/drawing/2014/main" xmlns="" id="{403A22E6-F2DA-4306-895D-4F617C66C8AA}"/>
               </a:ext>
             </a:extLst>
           </p:cNvPr>
@@ -18214,7 +18174,7 @@
           <p:cNvPr id="84" name="Rectangle 83">
             <a:extLst>
               <a:ext uri="{FF2B5EF4-FFF2-40B4-BE49-F238E27FC236}">
-                <a16:creationId xmlns="" xmlns:a16="http://schemas.microsoft.com/office/drawing/2014/main" id="{3874D789-F4B7-4A9C-A5EA-0CC4C1804A36}"/>
+                <a16:creationId xmlns:a16="http://schemas.microsoft.com/office/drawing/2014/main" xmlns="" id="{3874D789-F4B7-4A9C-A5EA-0CC4C1804A36}"/>
               </a:ext>
             </a:extLst>
           </p:cNvPr>
@@ -18256,7 +18216,7 @@
           <p:cNvPr id="85" name="TextBox 84">
             <a:extLst>
               <a:ext uri="{FF2B5EF4-FFF2-40B4-BE49-F238E27FC236}">
-                <a16:creationId xmlns="" xmlns:a16="http://schemas.microsoft.com/office/drawing/2014/main" id="{9549F34C-3BED-4D04-B1DA-7B61A0325523}"/>
+                <a16:creationId xmlns:a16="http://schemas.microsoft.com/office/drawing/2014/main" xmlns="" id="{9549F34C-3BED-4D04-B1DA-7B61A0325523}"/>
               </a:ext>
             </a:extLst>
           </p:cNvPr>
@@ -18295,7 +18255,7 @@
           <p:cNvPr id="86" name="TextBox 85">
             <a:extLst>
               <a:ext uri="{FF2B5EF4-FFF2-40B4-BE49-F238E27FC236}">
-                <a16:creationId xmlns="" xmlns:a16="http://schemas.microsoft.com/office/drawing/2014/main" id="{3826F8B2-A93C-46DD-8958-00D34CC2B495}"/>
+                <a16:creationId xmlns:a16="http://schemas.microsoft.com/office/drawing/2014/main" xmlns="" id="{3826F8B2-A93C-46DD-8958-00D34CC2B495}"/>
               </a:ext>
             </a:extLst>
           </p:cNvPr>
@@ -18334,7 +18294,7 @@
           <p:cNvPr id="87" name="TextBox 86">
             <a:extLst>
               <a:ext uri="{FF2B5EF4-FFF2-40B4-BE49-F238E27FC236}">
-                <a16:creationId xmlns="" xmlns:a16="http://schemas.microsoft.com/office/drawing/2014/main" id="{6432CAE0-08F1-4CBB-9347-D681C930B954}"/>
+                <a16:creationId xmlns:a16="http://schemas.microsoft.com/office/drawing/2014/main" xmlns="" id="{6432CAE0-08F1-4CBB-9347-D681C930B954}"/>
               </a:ext>
             </a:extLst>
           </p:cNvPr>
@@ -20001,13 +19961,7 @@
       </p:grpSpPr>
       <p:sp>
         <p:nvSpPr>
-          <p:cNvPr id="2" name="Title 1">
-            <a:extLst>
-              <a:ext uri="{FF2B5EF4-FFF2-40B4-BE49-F238E27FC236}">
-                <a16:creationId xmlns="" xmlns:a16="http://schemas.microsoft.com/office/drawing/2014/main" id="{E4CAF8D5-FA3D-4BED-8185-5DC78E6843B2}"/>
-              </a:ext>
-            </a:extLst>
-          </p:cNvPr>
+          <p:cNvPr id="2" name="Title 1"/>
           <p:cNvSpPr>
             <a:spLocks noGrp="1"/>
           </p:cNvSpPr>
@@ -20015,12 +19969,114 @@
             <p:ph type="title"/>
           </p:nvPr>
         </p:nvSpPr>
-        <p:spPr>
-          <a:xfrm>
-            <a:off x="2133600" y="2700866"/>
-            <a:ext cx="7924799" cy="1456267"/>
-          </a:xfrm>
-        </p:spPr>
+        <p:spPr/>
+        <p:txBody>
+          <a:bodyPr/>
+          <a:lstStyle/>
+          <a:p>
+            <a:r>
+              <a:rPr lang="en-US" dirty="0" smtClean="0"/>
+              <a:t>Problems with overfitting</a:t>
+            </a:r>
+            <a:endParaRPr lang="en-US" dirty="0"/>
+          </a:p>
+        </p:txBody>
+      </p:sp>
+      <p:sp>
+        <p:nvSpPr>
+          <p:cNvPr id="3" name="Content Placeholder 2"/>
+          <p:cNvSpPr>
+            <a:spLocks noGrp="1"/>
+          </p:cNvSpPr>
+          <p:nvPr>
+            <p:ph idx="1"/>
+          </p:nvPr>
+        </p:nvSpPr>
+        <p:spPr/>
+        <p:txBody>
+          <a:bodyPr/>
+          <a:lstStyle/>
+          <a:p>
+            <a:endParaRPr lang="en-US"/>
+          </a:p>
+        </p:txBody>
+      </p:sp>
+    </p:spTree>
+    <p:extLst>
+      <p:ext uri="{BB962C8B-B14F-4D97-AF65-F5344CB8AC3E}">
+        <p14:creationId xmlns:p14="http://schemas.microsoft.com/office/powerpoint/2010/main" val="1545900052"/>
+      </p:ext>
+    </p:extLst>
+  </p:cSld>
+  <p:clrMapOvr>
+    <a:masterClrMapping/>
+  </p:clrMapOvr>
+  <mc:AlternateContent xmlns:mc="http://schemas.openxmlformats.org/markup-compatibility/2006" xmlns:p14="http://schemas.microsoft.com/office/powerpoint/2010/main">
+    <mc:Choice Requires="p14">
+      <p:transition spd="slow" p14:dur="3400">
+        <p14:reveal/>
+      </p:transition>
+    </mc:Choice>
+    <mc:Fallback xmlns="">
+      <p:transition spd="slow">
+        <p:fade/>
+      </p:transition>
+    </mc:Fallback>
+  </mc:AlternateContent>
+</p:sld>
+</file>
+
+<file path=ppt/slides/slide2.xml><?xml version="1.0" encoding="utf-8"?>
+<p:sld xmlns:a="http://schemas.openxmlformats.org/drawingml/2006/main" xmlns:r="http://schemas.openxmlformats.org/officeDocument/2006/relationships" xmlns:p="http://schemas.openxmlformats.org/presentationml/2006/main">
+  <p:cSld>
+    <p:spTree>
+      <p:nvGrpSpPr>
+        <p:cNvPr id="1" name=""/>
+        <p:cNvGrpSpPr/>
+        <p:nvPr/>
+      </p:nvGrpSpPr>
+      <p:grpSpPr>
+        <a:xfrm>
+          <a:off x="0" y="0"/>
+          <a:ext cx="0" cy="0"/>
+          <a:chOff x="0" y="0"/>
+          <a:chExt cx="0" cy="0"/>
+        </a:xfrm>
+      </p:grpSpPr>
+      <p:sp>
+        <p:nvSpPr>
+          <p:cNvPr id="2" name="Title 1"/>
+          <p:cNvSpPr>
+            <a:spLocks noGrp="1"/>
+          </p:cNvSpPr>
+          <p:nvPr>
+            <p:ph type="title"/>
+          </p:nvPr>
+        </p:nvSpPr>
+        <p:spPr/>
+        <p:txBody>
+          <a:bodyPr/>
+          <a:lstStyle/>
+          <a:p>
+            <a:r>
+              <a:rPr lang="en-US" dirty="0" smtClean="0"/>
+              <a:t>Time breakdown</a:t>
+            </a:r>
+            <a:endParaRPr lang="en-US" dirty="0"/>
+          </a:p>
+        </p:txBody>
+      </p:sp>
+      <p:sp>
+        <p:nvSpPr>
+          <p:cNvPr id="3" name="Content Placeholder 2"/>
+          <p:cNvSpPr>
+            <a:spLocks noGrp="1"/>
+          </p:cNvSpPr>
+          <p:nvPr>
+            <p:ph idx="1"/>
+          </p:nvPr>
+        </p:nvSpPr>
+        <p:spPr/>
         <p:txBody>
           <a:bodyPr>
             <a:normAutofit/>
@@ -20028,16 +20084,51 @@
           <a:lstStyle/>
           <a:p>
             <a:r>
-              <a:rPr lang="en-US" sz="6600" dirty="0"/>
-              <a:t>End of Chapters 1-2</a:t>
-            </a:r>
+              <a:rPr lang="en-US" sz="2800" dirty="0" smtClean="0"/>
+              <a:t>6:30 - 6:45 Environment Setup and welcome treats </a:t>
+            </a:r>
+          </a:p>
+          <a:p>
+            <a:r>
+              <a:rPr lang="en-US" sz="2800" dirty="0" smtClean="0"/>
+              <a:t>6:45-7:30 Intro and Chapter 1-2</a:t>
+            </a:r>
+          </a:p>
+          <a:p>
+            <a:r>
+              <a:rPr lang="en-US" sz="2800" dirty="0" smtClean="0"/>
+              <a:t>7:30-8:00 Code </a:t>
+            </a:r>
+            <a:r>
+              <a:rPr lang="en-US" sz="2800" dirty="0" err="1" smtClean="0"/>
+              <a:t>Practicals</a:t>
+            </a:r>
+            <a:endParaRPr lang="en-US" sz="2800" dirty="0" smtClean="0"/>
+          </a:p>
+          <a:p>
+            <a:r>
+              <a:rPr lang="en-US" sz="2800" dirty="0" smtClean="0"/>
+              <a:t>8:00-8:30 QA</a:t>
+            </a:r>
+          </a:p>
+          <a:p>
+            <a:r>
+              <a:rPr lang="en-US" sz="2800" dirty="0" smtClean="0"/>
+              <a:t>8:15-8:30 Quiz</a:t>
+            </a:r>
+          </a:p>
+          <a:p>
+            <a:endParaRPr lang="en-US" sz="2800" dirty="0" smtClean="0"/>
+          </a:p>
+          <a:p>
+            <a:endParaRPr lang="en-US" sz="2800" dirty="0"/>
           </a:p>
         </p:txBody>
       </p:sp>
     </p:spTree>
     <p:extLst>
       <p:ext uri="{BB962C8B-B14F-4D97-AF65-F5344CB8AC3E}">
-        <p14:creationId xmlns:p14="http://schemas.microsoft.com/office/powerpoint/2010/main" val="315938793"/>
+        <p14:creationId xmlns:p14="http://schemas.microsoft.com/office/powerpoint/2010/main" val="82720842"/>
       </p:ext>
     </p:extLst>
   </p:cSld>
@@ -20066,7 +20157,7 @@
 </p:sld>
 </file>
 
-<file path=ppt/slides/slide2.xml><?xml version="1.0" encoding="utf-8"?>
+<file path=ppt/slides/slide20.xml><?xml version="1.0" encoding="utf-8"?>
 <p:sld xmlns:a="http://schemas.openxmlformats.org/drawingml/2006/main" xmlns:r="http://schemas.openxmlformats.org/officeDocument/2006/relationships" xmlns:p="http://schemas.openxmlformats.org/presentationml/2006/main">
   <p:cSld>
     <p:spTree>
@@ -20085,7 +20176,13 @@
       </p:grpSpPr>
       <p:sp>
         <p:nvSpPr>
-          <p:cNvPr id="2" name="Title 1"/>
+          <p:cNvPr id="2" name="Title 1">
+            <a:extLst>
+              <a:ext uri="{FF2B5EF4-FFF2-40B4-BE49-F238E27FC236}">
+                <a16:creationId xmlns:a16="http://schemas.microsoft.com/office/drawing/2014/main" xmlns="" id="{E4CAF8D5-FA3D-4BED-8185-5DC78E6843B2}"/>
+              </a:ext>
+            </a:extLst>
+          </p:cNvPr>
           <p:cNvSpPr>
             <a:spLocks noGrp="1"/>
           </p:cNvSpPr>
@@ -20093,30 +20190,12 @@
             <p:ph type="title"/>
           </p:nvPr>
         </p:nvSpPr>
-        <p:spPr/>
-        <p:txBody>
-          <a:bodyPr/>
-          <a:lstStyle/>
-          <a:p>
-            <a:r>
-              <a:rPr lang="en-US" dirty="0" smtClean="0"/>
-              <a:t>Time breakdown</a:t>
-            </a:r>
-            <a:endParaRPr lang="en-US" dirty="0"/>
-          </a:p>
-        </p:txBody>
-      </p:sp>
-      <p:sp>
-        <p:nvSpPr>
-          <p:cNvPr id="3" name="Content Placeholder 2"/>
-          <p:cNvSpPr>
-            <a:spLocks noGrp="1"/>
-          </p:cNvSpPr>
-          <p:nvPr>
-            <p:ph idx="1"/>
-          </p:nvPr>
-        </p:nvSpPr>
-        <p:spPr/>
+        <p:spPr>
+          <a:xfrm>
+            <a:off x="2133600" y="2700866"/>
+            <a:ext cx="7924799" cy="1456267"/>
+          </a:xfrm>
+        </p:spPr>
         <p:txBody>
           <a:bodyPr>
             <a:normAutofit/>
@@ -20124,51 +20203,16 @@
           <a:lstStyle/>
           <a:p>
             <a:r>
-              <a:rPr lang="en-US" sz="2800" dirty="0" smtClean="0"/>
-              <a:t>6:30 - 6:45 Environment Setup and welcome treats </a:t>
-            </a:r>
-          </a:p>
-          <a:p>
-            <a:r>
-              <a:rPr lang="en-US" sz="2800" dirty="0" smtClean="0"/>
-              <a:t>6:45-7:30 Intro and Chapter 1-2</a:t>
-            </a:r>
-          </a:p>
-          <a:p>
-            <a:r>
-              <a:rPr lang="en-US" sz="2800" dirty="0" smtClean="0"/>
-              <a:t>7:30-8:00 Code </a:t>
-            </a:r>
-            <a:r>
-              <a:rPr lang="en-US" sz="2800" dirty="0" err="1" smtClean="0"/>
-              <a:t>Practicals</a:t>
-            </a:r>
-            <a:endParaRPr lang="en-US" sz="2800" dirty="0" smtClean="0"/>
-          </a:p>
-          <a:p>
-            <a:r>
-              <a:rPr lang="en-US" sz="2800" dirty="0" smtClean="0"/>
-              <a:t>8:00-8:30 QA</a:t>
-            </a:r>
-          </a:p>
-          <a:p>
-            <a:r>
-              <a:rPr lang="en-US" sz="2800" dirty="0" smtClean="0"/>
-              <a:t>8:15-8:30 Quiz</a:t>
-            </a:r>
-          </a:p>
-          <a:p>
-            <a:endParaRPr lang="en-US" sz="2800" dirty="0" smtClean="0"/>
-          </a:p>
-          <a:p>
-            <a:endParaRPr lang="en-US" sz="2800" dirty="0"/>
+              <a:rPr lang="en-US" sz="6600" dirty="0"/>
+              <a:t>End of Chapters 1-2</a:t>
+            </a:r>
           </a:p>
         </p:txBody>
       </p:sp>
     </p:spTree>
     <p:extLst>
       <p:ext uri="{BB962C8B-B14F-4D97-AF65-F5344CB8AC3E}">
-        <p14:creationId xmlns:p14="http://schemas.microsoft.com/office/powerpoint/2010/main" val="82720842"/>
+        <p14:creationId xmlns:p14="http://schemas.microsoft.com/office/powerpoint/2010/main" val="315938793"/>
       </p:ext>
     </p:extLst>
   </p:cSld>
@@ -22004,7 +22048,7 @@
           <p:cNvPr id="32" name="TextBox 31">
             <a:extLst>
               <a:ext uri="{FF2B5EF4-FFF2-40B4-BE49-F238E27FC236}">
-                <a16:creationId xmlns="" xmlns:a16="http://schemas.microsoft.com/office/drawing/2014/main" id="{B1B2F44B-CFD3-4292-8306-48944D576DF1}"/>
+                <a16:creationId xmlns:a16="http://schemas.microsoft.com/office/drawing/2014/main" xmlns="" id="{B1B2F44B-CFD3-4292-8306-48944D576DF1}"/>
               </a:ext>
             </a:extLst>
           </p:cNvPr>
@@ -22043,7 +22087,7 @@
           <p:cNvPr id="11" name="Rectangle 10">
             <a:extLst>
               <a:ext uri="{FF2B5EF4-FFF2-40B4-BE49-F238E27FC236}">
-                <a16:creationId xmlns="" xmlns:a16="http://schemas.microsoft.com/office/drawing/2014/main" id="{8E839276-B57F-47D9-89E4-5EA47F09926B}"/>
+                <a16:creationId xmlns:a16="http://schemas.microsoft.com/office/drawing/2014/main" xmlns="" id="{8E839276-B57F-47D9-89E4-5EA47F09926B}"/>
               </a:ext>
             </a:extLst>
           </p:cNvPr>
@@ -22078,7 +22122,7 @@
           <p:cNvPr id="13" name="Rectangle 12">
             <a:extLst>
               <a:ext uri="{FF2B5EF4-FFF2-40B4-BE49-F238E27FC236}">
-                <a16:creationId xmlns="" xmlns:a16="http://schemas.microsoft.com/office/drawing/2014/main" id="{9B998BDC-B416-4504-B3F1-7D9EC75A8D0F}"/>
+                <a16:creationId xmlns:a16="http://schemas.microsoft.com/office/drawing/2014/main" xmlns="" id="{9B998BDC-B416-4504-B3F1-7D9EC75A8D0F}"/>
               </a:ext>
             </a:extLst>
           </p:cNvPr>
@@ -22113,7 +22157,7 @@
           <p:cNvPr id="61" name="TextBox 60">
             <a:extLst>
               <a:ext uri="{FF2B5EF4-FFF2-40B4-BE49-F238E27FC236}">
-                <a16:creationId xmlns="" xmlns:a16="http://schemas.microsoft.com/office/drawing/2014/main" id="{22C24501-227D-4ADB-9C24-03BBEEBDE364}"/>
+                <a16:creationId xmlns:a16="http://schemas.microsoft.com/office/drawing/2014/main" xmlns="" id="{22C24501-227D-4ADB-9C24-03BBEEBDE364}"/>
               </a:ext>
             </a:extLst>
           </p:cNvPr>
@@ -22152,7 +22196,7 @@
           <p:cNvPr id="62" name="TextBox 61">
             <a:extLst>
               <a:ext uri="{FF2B5EF4-FFF2-40B4-BE49-F238E27FC236}">
-                <a16:creationId xmlns="" xmlns:a16="http://schemas.microsoft.com/office/drawing/2014/main" id="{4E6D9A74-276D-42D9-9F8F-395FB63C5AC7}"/>
+                <a16:creationId xmlns:a16="http://schemas.microsoft.com/office/drawing/2014/main" xmlns="" id="{4E6D9A74-276D-42D9-9F8F-395FB63C5AC7}"/>
               </a:ext>
             </a:extLst>
           </p:cNvPr>
@@ -22191,7 +22235,7 @@
           <p:cNvPr id="38" name="Rectangle 37">
             <a:extLst>
               <a:ext uri="{FF2B5EF4-FFF2-40B4-BE49-F238E27FC236}">
-                <a16:creationId xmlns="" xmlns:a16="http://schemas.microsoft.com/office/drawing/2014/main" id="{D2EE75EA-741E-40A9-9494-BF972D67C879}"/>
+                <a16:creationId xmlns:a16="http://schemas.microsoft.com/office/drawing/2014/main" xmlns="" id="{D2EE75EA-741E-40A9-9494-BF972D67C879}"/>
               </a:ext>
             </a:extLst>
           </p:cNvPr>
@@ -23367,7 +23411,7 @@
           <p:cNvPr id="2" name="Title 1">
             <a:extLst>
               <a:ext uri="{FF2B5EF4-FFF2-40B4-BE49-F238E27FC236}">
-                <a16:creationId xmlns="" xmlns:a16="http://schemas.microsoft.com/office/drawing/2014/main" id="{4DFD28C1-04F1-4828-92B5-3EE911624AD8}"/>
+                <a16:creationId xmlns:a16="http://schemas.microsoft.com/office/drawing/2014/main" xmlns="" id="{4DFD28C1-04F1-4828-92B5-3EE911624AD8}"/>
               </a:ext>
             </a:extLst>
           </p:cNvPr>
@@ -23403,7 +23447,7 @@
           <p:cNvPr id="4" name="Rectangle 3">
             <a:extLst>
               <a:ext uri="{FF2B5EF4-FFF2-40B4-BE49-F238E27FC236}">
-                <a16:creationId xmlns="" xmlns:a16="http://schemas.microsoft.com/office/drawing/2014/main" id="{B1144AB1-5D4C-466E-913F-2238E63D0618}"/>
+                <a16:creationId xmlns:a16="http://schemas.microsoft.com/office/drawing/2014/main" xmlns="" id="{B1144AB1-5D4C-466E-913F-2238E63D0618}"/>
               </a:ext>
             </a:extLst>
           </p:cNvPr>
@@ -23452,7 +23496,7 @@
           <p:cNvPr id="5" name="Rectangle 4">
             <a:extLst>
               <a:ext uri="{FF2B5EF4-FFF2-40B4-BE49-F238E27FC236}">
-                <a16:creationId xmlns="" xmlns:a16="http://schemas.microsoft.com/office/drawing/2014/main" id="{B03ADA5C-2E95-44F2-8267-64550DCD3A98}"/>
+                <a16:creationId xmlns:a16="http://schemas.microsoft.com/office/drawing/2014/main" xmlns="" id="{B03ADA5C-2E95-44F2-8267-64550DCD3A98}"/>
               </a:ext>
             </a:extLst>
           </p:cNvPr>
@@ -23501,7 +23545,7 @@
           <p:cNvPr id="6" name="Oval 5">
             <a:extLst>
               <a:ext uri="{FF2B5EF4-FFF2-40B4-BE49-F238E27FC236}">
-                <a16:creationId xmlns="" xmlns:a16="http://schemas.microsoft.com/office/drawing/2014/main" id="{B7140983-43B4-41DD-920B-383E6774FC2E}"/>
+                <a16:creationId xmlns:a16="http://schemas.microsoft.com/office/drawing/2014/main" xmlns="" id="{B7140983-43B4-41DD-920B-383E6774FC2E}"/>
               </a:ext>
             </a:extLst>
           </p:cNvPr>
@@ -23550,7 +23594,7 @@
           <p:cNvPr id="7" name="Straight Arrow Connector 6">
             <a:extLst>
               <a:ext uri="{FF2B5EF4-FFF2-40B4-BE49-F238E27FC236}">
-                <a16:creationId xmlns="" xmlns:a16="http://schemas.microsoft.com/office/drawing/2014/main" id="{8ADF54C0-3502-4D34-8ACE-97492C1C4B0C}"/>
+                <a16:creationId xmlns:a16="http://schemas.microsoft.com/office/drawing/2014/main" xmlns="" id="{8ADF54C0-3502-4D34-8ACE-97492C1C4B0C}"/>
               </a:ext>
             </a:extLst>
           </p:cNvPr>
@@ -23592,7 +23636,7 @@
           <p:cNvPr id="8" name="Straight Arrow Connector 7">
             <a:extLst>
               <a:ext uri="{FF2B5EF4-FFF2-40B4-BE49-F238E27FC236}">
-                <a16:creationId xmlns="" xmlns:a16="http://schemas.microsoft.com/office/drawing/2014/main" id="{13957428-4E6A-47B0-B6E0-E8DC423E138A}"/>
+                <a16:creationId xmlns:a16="http://schemas.microsoft.com/office/drawing/2014/main" xmlns="" id="{13957428-4E6A-47B0-B6E0-E8DC423E138A}"/>
               </a:ext>
             </a:extLst>
           </p:cNvPr>
@@ -23633,7 +23677,7 @@
           <p:cNvPr id="9" name="TextBox 8">
             <a:extLst>
               <a:ext uri="{FF2B5EF4-FFF2-40B4-BE49-F238E27FC236}">
-                <a16:creationId xmlns="" xmlns:a16="http://schemas.microsoft.com/office/drawing/2014/main" id="{33B59156-4356-439F-934D-A20F4D8CE577}"/>
+                <a16:creationId xmlns:a16="http://schemas.microsoft.com/office/drawing/2014/main" xmlns="" id="{33B59156-4356-439F-934D-A20F4D8CE577}"/>
               </a:ext>
             </a:extLst>
           </p:cNvPr>
@@ -23668,7 +23712,7 @@
           <p:cNvPr id="10" name="Curved Connector 15">
             <a:extLst>
               <a:ext uri="{FF2B5EF4-FFF2-40B4-BE49-F238E27FC236}">
-                <a16:creationId xmlns="" xmlns:a16="http://schemas.microsoft.com/office/drawing/2014/main" id="{890A6EDC-F8DA-46E7-B058-B0FB767FCCB5}"/>
+                <a16:creationId xmlns:a16="http://schemas.microsoft.com/office/drawing/2014/main" xmlns="" id="{890A6EDC-F8DA-46E7-B058-B0FB767FCCB5}"/>
               </a:ext>
             </a:extLst>
           </p:cNvPr>
@@ -23711,7 +23755,7 @@
           <p:cNvPr id="11" name="Oval 10">
             <a:extLst>
               <a:ext uri="{FF2B5EF4-FFF2-40B4-BE49-F238E27FC236}">
-                <a16:creationId xmlns="" xmlns:a16="http://schemas.microsoft.com/office/drawing/2014/main" id="{569CED88-22AF-4D88-8F56-73C1B8F7C96E}"/>
+                <a16:creationId xmlns:a16="http://schemas.microsoft.com/office/drawing/2014/main" xmlns="" id="{569CED88-22AF-4D88-8F56-73C1B8F7C96E}"/>
               </a:ext>
             </a:extLst>
           </p:cNvPr>
@@ -23757,7 +23801,7 @@
           <p:cNvPr id="12" name="Oval 11">
             <a:extLst>
               <a:ext uri="{FF2B5EF4-FFF2-40B4-BE49-F238E27FC236}">
-                <a16:creationId xmlns="" xmlns:a16="http://schemas.microsoft.com/office/drawing/2014/main" id="{79286F04-128C-49DA-8265-7E5BACB5117B}"/>
+                <a16:creationId xmlns:a16="http://schemas.microsoft.com/office/drawing/2014/main" xmlns="" id="{79286F04-128C-49DA-8265-7E5BACB5117B}"/>
               </a:ext>
             </a:extLst>
           </p:cNvPr>
@@ -23803,7 +23847,7 @@
           <p:cNvPr id="13" name="Straight Arrow Connector 12">
             <a:extLst>
               <a:ext uri="{FF2B5EF4-FFF2-40B4-BE49-F238E27FC236}">
-                <a16:creationId xmlns="" xmlns:a16="http://schemas.microsoft.com/office/drawing/2014/main" id="{8C71201E-2862-42E9-A758-D8CD64E21237}"/>
+                <a16:creationId xmlns:a16="http://schemas.microsoft.com/office/drawing/2014/main" xmlns="" id="{8C71201E-2862-42E9-A758-D8CD64E21237}"/>
               </a:ext>
             </a:extLst>
           </p:cNvPr>
@@ -23844,7 +23888,7 @@
           <p:cNvPr id="14" name="Straight Arrow Connector 13">
             <a:extLst>
               <a:ext uri="{FF2B5EF4-FFF2-40B4-BE49-F238E27FC236}">
-                <a16:creationId xmlns="" xmlns:a16="http://schemas.microsoft.com/office/drawing/2014/main" id="{E86BE50F-167F-49D8-B46D-BED87D967C20}"/>
+                <a16:creationId xmlns:a16="http://schemas.microsoft.com/office/drawing/2014/main" xmlns="" id="{E86BE50F-167F-49D8-B46D-BED87D967C20}"/>
               </a:ext>
             </a:extLst>
           </p:cNvPr>
@@ -23885,7 +23929,7 @@
           <p:cNvPr id="15" name="Straight Arrow Connector 14">
             <a:extLst>
               <a:ext uri="{FF2B5EF4-FFF2-40B4-BE49-F238E27FC236}">
-                <a16:creationId xmlns="" xmlns:a16="http://schemas.microsoft.com/office/drawing/2014/main" id="{C53DCC96-AB4C-462C-B870-983FEB84468B}"/>
+                <a16:creationId xmlns:a16="http://schemas.microsoft.com/office/drawing/2014/main" xmlns="" id="{C53DCC96-AB4C-462C-B870-983FEB84468B}"/>
               </a:ext>
             </a:extLst>
           </p:cNvPr>
@@ -23927,7 +23971,7 @@
           <p:cNvPr id="16" name="Straight Arrow Connector 15">
             <a:extLst>
               <a:ext uri="{FF2B5EF4-FFF2-40B4-BE49-F238E27FC236}">
-                <a16:creationId xmlns="" xmlns:a16="http://schemas.microsoft.com/office/drawing/2014/main" id="{969B25DD-E3B8-40E9-8885-B265A37BB6A8}"/>
+                <a16:creationId xmlns:a16="http://schemas.microsoft.com/office/drawing/2014/main" xmlns="" id="{969B25DD-E3B8-40E9-8885-B265A37BB6A8}"/>
               </a:ext>
             </a:extLst>
           </p:cNvPr>
@@ -23969,7 +24013,7 @@
           <p:cNvPr id="17" name="TextBox 16">
             <a:extLst>
               <a:ext uri="{FF2B5EF4-FFF2-40B4-BE49-F238E27FC236}">
-                <a16:creationId xmlns="" xmlns:a16="http://schemas.microsoft.com/office/drawing/2014/main" id="{609BC984-9D5C-474C-8472-B4D971CA33AA}"/>
+                <a16:creationId xmlns:a16="http://schemas.microsoft.com/office/drawing/2014/main" xmlns="" id="{609BC984-9D5C-474C-8472-B4D971CA33AA}"/>
               </a:ext>
             </a:extLst>
           </p:cNvPr>
@@ -24008,7 +24052,7 @@
           <p:cNvPr id="18" name="TextBox 17">
             <a:extLst>
               <a:ext uri="{FF2B5EF4-FFF2-40B4-BE49-F238E27FC236}">
-                <a16:creationId xmlns="" xmlns:a16="http://schemas.microsoft.com/office/drawing/2014/main" id="{4CDF40F0-8A92-4C0A-B07D-C2D75ECCD68E}"/>
+                <a16:creationId xmlns:a16="http://schemas.microsoft.com/office/drawing/2014/main" xmlns="" id="{4CDF40F0-8A92-4C0A-B07D-C2D75ECCD68E}"/>
               </a:ext>
             </a:extLst>
           </p:cNvPr>
@@ -24043,7 +24087,7 @@
           <p:cNvPr id="19" name="Curved Connector 39">
             <a:extLst>
               <a:ext uri="{FF2B5EF4-FFF2-40B4-BE49-F238E27FC236}">
-                <a16:creationId xmlns="" xmlns:a16="http://schemas.microsoft.com/office/drawing/2014/main" id="{395B1BD9-925C-4B47-A900-B721B9D39716}"/>
+                <a16:creationId xmlns:a16="http://schemas.microsoft.com/office/drawing/2014/main" xmlns="" id="{395B1BD9-925C-4B47-A900-B721B9D39716}"/>
               </a:ext>
             </a:extLst>
           </p:cNvPr>
@@ -24086,7 +24130,7 @@
           <p:cNvPr id="20" name="TextBox 19">
             <a:extLst>
               <a:ext uri="{FF2B5EF4-FFF2-40B4-BE49-F238E27FC236}">
-                <a16:creationId xmlns="" xmlns:a16="http://schemas.microsoft.com/office/drawing/2014/main" id="{3652EDB8-7A2C-4C88-B758-133A3369B64D}"/>
+                <a16:creationId xmlns:a16="http://schemas.microsoft.com/office/drawing/2014/main" xmlns="" id="{3652EDB8-7A2C-4C88-B758-133A3369B64D}"/>
               </a:ext>
             </a:extLst>
           </p:cNvPr>
@@ -24121,7 +24165,7 @@
           <p:cNvPr id="21" name="Curved Connector 41">
             <a:extLst>
               <a:ext uri="{FF2B5EF4-FFF2-40B4-BE49-F238E27FC236}">
-                <a16:creationId xmlns="" xmlns:a16="http://schemas.microsoft.com/office/drawing/2014/main" id="{AD592BBB-F96F-4A69-99C3-4384AACC49C8}"/>
+                <a16:creationId xmlns:a16="http://schemas.microsoft.com/office/drawing/2014/main" xmlns="" id="{AD592BBB-F96F-4A69-99C3-4384AACC49C8}"/>
               </a:ext>
             </a:extLst>
           </p:cNvPr>
@@ -24164,7 +24208,7 @@
           <p:cNvPr id="22" name="Curved Connector 44">
             <a:extLst>
               <a:ext uri="{FF2B5EF4-FFF2-40B4-BE49-F238E27FC236}">
-                <a16:creationId xmlns="" xmlns:a16="http://schemas.microsoft.com/office/drawing/2014/main" id="{5C4AE92E-F03C-4AA2-A6C2-8038F850D7A7}"/>
+                <a16:creationId xmlns:a16="http://schemas.microsoft.com/office/drawing/2014/main" xmlns="" id="{5C4AE92E-F03C-4AA2-A6C2-8038F850D7A7}"/>
               </a:ext>
             </a:extLst>
           </p:cNvPr>
@@ -24208,7 +24252,7 @@
           <p:cNvPr id="23" name="TextBox 22">
             <a:extLst>
               <a:ext uri="{FF2B5EF4-FFF2-40B4-BE49-F238E27FC236}">
-                <a16:creationId xmlns="" xmlns:a16="http://schemas.microsoft.com/office/drawing/2014/main" id="{C7D4E835-9EDE-44E2-A4AD-592F4A5A6804}"/>
+                <a16:creationId xmlns:a16="http://schemas.microsoft.com/office/drawing/2014/main" xmlns="" id="{C7D4E835-9EDE-44E2-A4AD-592F4A5A6804}"/>
               </a:ext>
             </a:extLst>
           </p:cNvPr>
@@ -24243,7 +24287,7 @@
           <p:cNvPr id="24" name="TextBox 23">
             <a:extLst>
               <a:ext uri="{FF2B5EF4-FFF2-40B4-BE49-F238E27FC236}">
-                <a16:creationId xmlns="" xmlns:a16="http://schemas.microsoft.com/office/drawing/2014/main" id="{9FA7E6BF-0640-44B2-BE6C-48CA570B0965}"/>
+                <a16:creationId xmlns:a16="http://schemas.microsoft.com/office/drawing/2014/main" xmlns="" id="{9FA7E6BF-0640-44B2-BE6C-48CA570B0965}"/>
               </a:ext>
             </a:extLst>
           </p:cNvPr>
@@ -24282,7 +24326,7 @@
           <p:cNvPr id="25" name="TextBox 24">
             <a:extLst>
               <a:ext uri="{FF2B5EF4-FFF2-40B4-BE49-F238E27FC236}">
-                <a16:creationId xmlns="" xmlns:a16="http://schemas.microsoft.com/office/drawing/2014/main" id="{8098C89A-B57F-4B0C-A40F-6B1CB29D7773}"/>
+                <a16:creationId xmlns:a16="http://schemas.microsoft.com/office/drawing/2014/main" xmlns="" id="{8098C89A-B57F-4B0C-A40F-6B1CB29D7773}"/>
               </a:ext>
             </a:extLst>
           </p:cNvPr>
@@ -24321,7 +24365,7 @@
           <p:cNvPr id="26" name="TextBox 25">
             <a:extLst>
               <a:ext uri="{FF2B5EF4-FFF2-40B4-BE49-F238E27FC236}">
-                <a16:creationId xmlns="" xmlns:a16="http://schemas.microsoft.com/office/drawing/2014/main" id="{C268FD32-6F8F-409F-9F79-21CE5AA19BE8}"/>
+                <a16:creationId xmlns:a16="http://schemas.microsoft.com/office/drawing/2014/main" xmlns="" id="{C268FD32-6F8F-409F-9F79-21CE5AA19BE8}"/>
               </a:ext>
             </a:extLst>
           </p:cNvPr>
@@ -24360,7 +24404,7 @@
           <p:cNvPr id="27" name="Rectangle 26">
             <a:extLst>
               <a:ext uri="{FF2B5EF4-FFF2-40B4-BE49-F238E27FC236}">
-                <a16:creationId xmlns="" xmlns:a16="http://schemas.microsoft.com/office/drawing/2014/main" id="{661734C9-5B45-42FD-AC6A-2F5B6313C938}"/>
+                <a16:creationId xmlns:a16="http://schemas.microsoft.com/office/drawing/2014/main" xmlns="" id="{661734C9-5B45-42FD-AC6A-2F5B6313C938}"/>
               </a:ext>
             </a:extLst>
           </p:cNvPr>
@@ -24395,7 +24439,7 @@
           <p:cNvPr id="28" name="Rectangle 27">
             <a:extLst>
               <a:ext uri="{FF2B5EF4-FFF2-40B4-BE49-F238E27FC236}">
-                <a16:creationId xmlns="" xmlns:a16="http://schemas.microsoft.com/office/drawing/2014/main" id="{94D0A49D-77AE-43B0-9B43-934A9BBDC055}"/>
+                <a16:creationId xmlns:a16="http://schemas.microsoft.com/office/drawing/2014/main" xmlns="" id="{94D0A49D-77AE-43B0-9B43-934A9BBDC055}"/>
               </a:ext>
             </a:extLst>
           </p:cNvPr>
@@ -24430,7 +24474,7 @@
           <p:cNvPr id="29" name="TextBox 28">
             <a:extLst>
               <a:ext uri="{FF2B5EF4-FFF2-40B4-BE49-F238E27FC236}">
-                <a16:creationId xmlns="" xmlns:a16="http://schemas.microsoft.com/office/drawing/2014/main" id="{BE71AAF9-A587-444C-8ABD-29819E13B037}"/>
+                <a16:creationId xmlns:a16="http://schemas.microsoft.com/office/drawing/2014/main" xmlns="" id="{BE71AAF9-A587-444C-8ABD-29819E13B037}"/>
               </a:ext>
             </a:extLst>
           </p:cNvPr>
@@ -24469,7 +24513,7 @@
           <p:cNvPr id="30" name="TextBox 29">
             <a:extLst>
               <a:ext uri="{FF2B5EF4-FFF2-40B4-BE49-F238E27FC236}">
-                <a16:creationId xmlns="" xmlns:a16="http://schemas.microsoft.com/office/drawing/2014/main" id="{F3CD98B2-F55C-4B66-AA1E-5AE452F0A2D7}"/>
+                <a16:creationId xmlns:a16="http://schemas.microsoft.com/office/drawing/2014/main" xmlns="" id="{F3CD98B2-F55C-4B66-AA1E-5AE452F0A2D7}"/>
               </a:ext>
             </a:extLst>
           </p:cNvPr>
@@ -24508,7 +24552,7 @@
           <p:cNvPr id="31" name="Rectangle 30">
             <a:extLst>
               <a:ext uri="{FF2B5EF4-FFF2-40B4-BE49-F238E27FC236}">
-                <a16:creationId xmlns="" xmlns:a16="http://schemas.microsoft.com/office/drawing/2014/main" id="{A04E939E-2EDA-407A-9156-4BC41E5458C6}"/>
+                <a16:creationId xmlns:a16="http://schemas.microsoft.com/office/drawing/2014/main" xmlns="" id="{A04E939E-2EDA-407A-9156-4BC41E5458C6}"/>
               </a:ext>
             </a:extLst>
           </p:cNvPr>
@@ -24543,7 +24587,7 @@
           <p:cNvPr id="33" name="Straight Connector 32">
             <a:extLst>
               <a:ext uri="{FF2B5EF4-FFF2-40B4-BE49-F238E27FC236}">
-                <a16:creationId xmlns="" xmlns:a16="http://schemas.microsoft.com/office/drawing/2014/main" id="{4689BAF6-E7C1-4AC0-A219-C8B8046CBEC2}"/>
+                <a16:creationId xmlns:a16="http://schemas.microsoft.com/office/drawing/2014/main" xmlns="" id="{4689BAF6-E7C1-4AC0-A219-C8B8046CBEC2}"/>
               </a:ext>
             </a:extLst>
           </p:cNvPr>
@@ -24582,7 +24626,7 @@
           <p:cNvPr id="62" name="TextBox 61">
             <a:extLst>
               <a:ext uri="{FF2B5EF4-FFF2-40B4-BE49-F238E27FC236}">
-                <a16:creationId xmlns="" xmlns:a16="http://schemas.microsoft.com/office/drawing/2014/main" id="{53055F57-B504-430F-9B2C-4C067632A464}"/>
+                <a16:creationId xmlns:a16="http://schemas.microsoft.com/office/drawing/2014/main" xmlns="" id="{53055F57-B504-430F-9B2C-4C067632A464}"/>
               </a:ext>
             </a:extLst>
           </p:cNvPr>
@@ -24617,7 +24661,7 @@
           <p:cNvPr id="63" name="TextBox 62">
             <a:extLst>
               <a:ext uri="{FF2B5EF4-FFF2-40B4-BE49-F238E27FC236}">
-                <a16:creationId xmlns="" xmlns:a16="http://schemas.microsoft.com/office/drawing/2014/main" id="{3698BF2E-FE44-4744-A6B3-A4C48B6262E2}"/>
+                <a16:creationId xmlns:a16="http://schemas.microsoft.com/office/drawing/2014/main" xmlns="" id="{3698BF2E-FE44-4744-A6B3-A4C48B6262E2}"/>
               </a:ext>
             </a:extLst>
           </p:cNvPr>
@@ -24658,7 +24702,7 @@
           <p:cNvPr id="64" name="Straight Connector 63">
             <a:extLst>
               <a:ext uri="{FF2B5EF4-FFF2-40B4-BE49-F238E27FC236}">
-                <a16:creationId xmlns="" xmlns:a16="http://schemas.microsoft.com/office/drawing/2014/main" id="{44E3C908-1409-4B7A-9F4F-691A9E9A28C4}"/>
+                <a16:creationId xmlns:a16="http://schemas.microsoft.com/office/drawing/2014/main" xmlns="" id="{44E3C908-1409-4B7A-9F4F-691A9E9A28C4}"/>
               </a:ext>
             </a:extLst>
           </p:cNvPr>
@@ -24694,7 +24738,7 @@
           <p:cNvPr id="65" name="TextBox 64">
             <a:extLst>
               <a:ext uri="{FF2B5EF4-FFF2-40B4-BE49-F238E27FC236}">
-                <a16:creationId xmlns="" xmlns:a16="http://schemas.microsoft.com/office/drawing/2014/main" id="{8FCAAD03-C95D-409A-80DE-FF532F170F4A}"/>
+                <a16:creationId xmlns:a16="http://schemas.microsoft.com/office/drawing/2014/main" xmlns="" id="{8FCAAD03-C95D-409A-80DE-FF532F170F4A}"/>
               </a:ext>
             </a:extLst>
           </p:cNvPr>
@@ -24729,7 +24773,7 @@
           <p:cNvPr id="66" name="TextBox 65">
             <a:extLst>
               <a:ext uri="{FF2B5EF4-FFF2-40B4-BE49-F238E27FC236}">
-                <a16:creationId xmlns="" xmlns:a16="http://schemas.microsoft.com/office/drawing/2014/main" id="{A1A00790-7D4E-4627-8D2E-103BF1FDEA6C}"/>
+                <a16:creationId xmlns:a16="http://schemas.microsoft.com/office/drawing/2014/main" xmlns="" id="{A1A00790-7D4E-4627-8D2E-103BF1FDEA6C}"/>
               </a:ext>
             </a:extLst>
           </p:cNvPr>
@@ -24770,7 +24814,7 @@
           <p:cNvPr id="67" name="Rectangle 66">
             <a:extLst>
               <a:ext uri="{FF2B5EF4-FFF2-40B4-BE49-F238E27FC236}">
-                <a16:creationId xmlns="" xmlns:a16="http://schemas.microsoft.com/office/drawing/2014/main" id="{DE93A07F-15FD-4A00-9FCB-F8D94957F60D}"/>
+                <a16:creationId xmlns:a16="http://schemas.microsoft.com/office/drawing/2014/main" xmlns="" id="{DE93A07F-15FD-4A00-9FCB-F8D94957F60D}"/>
               </a:ext>
             </a:extLst>
           </p:cNvPr>
@@ -24808,7 +24852,7 @@
           <p:cNvPr id="39" name="Picture 38">
             <a:extLst>
               <a:ext uri="{FF2B5EF4-FFF2-40B4-BE49-F238E27FC236}">
-                <a16:creationId xmlns="" xmlns:a16="http://schemas.microsoft.com/office/drawing/2014/main" id="{C14F7E22-ACC5-43FF-AF88-0E859818988D}"/>
+                <a16:creationId xmlns:a16="http://schemas.microsoft.com/office/drawing/2014/main" xmlns="" id="{C14F7E22-ACC5-43FF-AF88-0E859818988D}"/>
               </a:ext>
             </a:extLst>
           </p:cNvPr>
@@ -25271,7 +25315,7 @@
           <p:cNvPr id="53" name="Rectangle 52">
             <a:extLst>
               <a:ext uri="{FF2B5EF4-FFF2-40B4-BE49-F238E27FC236}">
-                <a16:creationId xmlns="" xmlns:a16="http://schemas.microsoft.com/office/drawing/2014/main" id="{D0B03B39-E801-45E1-9DB1-02CBC326C042}"/>
+                <a16:creationId xmlns:a16="http://schemas.microsoft.com/office/drawing/2014/main" xmlns="" id="{D0B03B39-E801-45E1-9DB1-02CBC326C042}"/>
               </a:ext>
             </a:extLst>
           </p:cNvPr>
@@ -25320,7 +25364,7 @@
           <p:cNvPr id="62" name="Rectangle 61">
             <a:extLst>
               <a:ext uri="{FF2B5EF4-FFF2-40B4-BE49-F238E27FC236}">
-                <a16:creationId xmlns="" xmlns:a16="http://schemas.microsoft.com/office/drawing/2014/main" id="{D998A9F6-36FE-49F7-9DA8-06444D1D14C2}"/>
+                <a16:creationId xmlns:a16="http://schemas.microsoft.com/office/drawing/2014/main" xmlns="" id="{D998A9F6-36FE-49F7-9DA8-06444D1D14C2}"/>
               </a:ext>
             </a:extLst>
           </p:cNvPr>
@@ -25369,7 +25413,7 @@
           <p:cNvPr id="63" name="Oval 62">
             <a:extLst>
               <a:ext uri="{FF2B5EF4-FFF2-40B4-BE49-F238E27FC236}">
-                <a16:creationId xmlns="" xmlns:a16="http://schemas.microsoft.com/office/drawing/2014/main" id="{68BD8753-7D3B-45A6-A250-B53A8FFF9690}"/>
+                <a16:creationId xmlns:a16="http://schemas.microsoft.com/office/drawing/2014/main" xmlns="" id="{68BD8753-7D3B-45A6-A250-B53A8FFF9690}"/>
               </a:ext>
             </a:extLst>
           </p:cNvPr>
@@ -25418,7 +25462,7 @@
           <p:cNvPr id="72" name="Straight Arrow Connector 71">
             <a:extLst>
               <a:ext uri="{FF2B5EF4-FFF2-40B4-BE49-F238E27FC236}">
-                <a16:creationId xmlns="" xmlns:a16="http://schemas.microsoft.com/office/drawing/2014/main" id="{BCC3512F-A11E-403C-907D-B897393AE622}"/>
+                <a16:creationId xmlns:a16="http://schemas.microsoft.com/office/drawing/2014/main" xmlns="" id="{BCC3512F-A11E-403C-907D-B897393AE622}"/>
               </a:ext>
             </a:extLst>
           </p:cNvPr>
@@ -25460,7 +25504,7 @@
           <p:cNvPr id="73" name="Straight Arrow Connector 72">
             <a:extLst>
               <a:ext uri="{FF2B5EF4-FFF2-40B4-BE49-F238E27FC236}">
-                <a16:creationId xmlns="" xmlns:a16="http://schemas.microsoft.com/office/drawing/2014/main" id="{7207E327-B189-40FC-AA03-F42BDADACFF6}"/>
+                <a16:creationId xmlns:a16="http://schemas.microsoft.com/office/drawing/2014/main" xmlns="" id="{7207E327-B189-40FC-AA03-F42BDADACFF6}"/>
               </a:ext>
             </a:extLst>
           </p:cNvPr>
@@ -25501,7 +25545,7 @@
           <p:cNvPr id="75" name="TextBox 74">
             <a:extLst>
               <a:ext uri="{FF2B5EF4-FFF2-40B4-BE49-F238E27FC236}">
-                <a16:creationId xmlns="" xmlns:a16="http://schemas.microsoft.com/office/drawing/2014/main" id="{705CF589-9ABA-47D6-A8AE-012C846FC551}"/>
+                <a16:creationId xmlns:a16="http://schemas.microsoft.com/office/drawing/2014/main" xmlns="" id="{705CF589-9ABA-47D6-A8AE-012C846FC551}"/>
               </a:ext>
             </a:extLst>
           </p:cNvPr>
@@ -25536,7 +25580,7 @@
           <p:cNvPr id="77" name="Curved Connector 15">
             <a:extLst>
               <a:ext uri="{FF2B5EF4-FFF2-40B4-BE49-F238E27FC236}">
-                <a16:creationId xmlns="" xmlns:a16="http://schemas.microsoft.com/office/drawing/2014/main" id="{EACF853E-94A2-468C-9A33-99FF354E1FC3}"/>
+                <a16:creationId xmlns:a16="http://schemas.microsoft.com/office/drawing/2014/main" xmlns="" id="{EACF853E-94A2-468C-9A33-99FF354E1FC3}"/>
               </a:ext>
             </a:extLst>
           </p:cNvPr>
@@ -25579,7 +25623,7 @@
           <p:cNvPr id="78" name="Oval 77">
             <a:extLst>
               <a:ext uri="{FF2B5EF4-FFF2-40B4-BE49-F238E27FC236}">
-                <a16:creationId xmlns="" xmlns:a16="http://schemas.microsoft.com/office/drawing/2014/main" id="{19CC193D-075C-47E8-8E7C-1A5056916CF4}"/>
+                <a16:creationId xmlns:a16="http://schemas.microsoft.com/office/drawing/2014/main" xmlns="" id="{19CC193D-075C-47E8-8E7C-1A5056916CF4}"/>
               </a:ext>
             </a:extLst>
           </p:cNvPr>
@@ -25625,7 +25669,7 @@
           <p:cNvPr id="79" name="Oval 78">
             <a:extLst>
               <a:ext uri="{FF2B5EF4-FFF2-40B4-BE49-F238E27FC236}">
-                <a16:creationId xmlns="" xmlns:a16="http://schemas.microsoft.com/office/drawing/2014/main" id="{0087F0EB-B45D-42CF-B3A8-9754E73DCBD8}"/>
+                <a16:creationId xmlns:a16="http://schemas.microsoft.com/office/drawing/2014/main" xmlns="" id="{0087F0EB-B45D-42CF-B3A8-9754E73DCBD8}"/>
               </a:ext>
             </a:extLst>
           </p:cNvPr>
@@ -25671,7 +25715,7 @@
           <p:cNvPr id="80" name="Straight Arrow Connector 79">
             <a:extLst>
               <a:ext uri="{FF2B5EF4-FFF2-40B4-BE49-F238E27FC236}">
-                <a16:creationId xmlns="" xmlns:a16="http://schemas.microsoft.com/office/drawing/2014/main" id="{BF9E9872-3111-4A53-A4AE-12D331A34FDA}"/>
+                <a16:creationId xmlns:a16="http://schemas.microsoft.com/office/drawing/2014/main" xmlns="" id="{BF9E9872-3111-4A53-A4AE-12D331A34FDA}"/>
               </a:ext>
             </a:extLst>
           </p:cNvPr>
@@ -25712,7 +25756,7 @@
           <p:cNvPr id="81" name="Straight Arrow Connector 80">
             <a:extLst>
               <a:ext uri="{FF2B5EF4-FFF2-40B4-BE49-F238E27FC236}">
-                <a16:creationId xmlns="" xmlns:a16="http://schemas.microsoft.com/office/drawing/2014/main" id="{B5E28D77-0190-490F-9107-36F4AB51F964}"/>
+                <a16:creationId xmlns:a16="http://schemas.microsoft.com/office/drawing/2014/main" xmlns="" id="{B5E28D77-0190-490F-9107-36F4AB51F964}"/>
               </a:ext>
             </a:extLst>
           </p:cNvPr>
@@ -25753,7 +25797,7 @@
           <p:cNvPr id="82" name="Straight Arrow Connector 81">
             <a:extLst>
               <a:ext uri="{FF2B5EF4-FFF2-40B4-BE49-F238E27FC236}">
-                <a16:creationId xmlns="" xmlns:a16="http://schemas.microsoft.com/office/drawing/2014/main" id="{CA4B51B3-C9FB-4350-904B-D5F0A8D0705D}"/>
+                <a16:creationId xmlns:a16="http://schemas.microsoft.com/office/drawing/2014/main" xmlns="" id="{CA4B51B3-C9FB-4350-904B-D5F0A8D0705D}"/>
               </a:ext>
             </a:extLst>
           </p:cNvPr>
@@ -25796,7 +25840,7 @@
           <p:cNvPr id="83" name="Straight Arrow Connector 82">
             <a:extLst>
               <a:ext uri="{FF2B5EF4-FFF2-40B4-BE49-F238E27FC236}">
-                <a16:creationId xmlns="" xmlns:a16="http://schemas.microsoft.com/office/drawing/2014/main" id="{4B336046-5447-4323-B6A6-81A6270E17D0}"/>
+                <a16:creationId xmlns:a16="http://schemas.microsoft.com/office/drawing/2014/main" xmlns="" id="{4B336046-5447-4323-B6A6-81A6270E17D0}"/>
               </a:ext>
             </a:extLst>
           </p:cNvPr>
@@ -25839,7 +25883,7 @@
           <p:cNvPr id="84" name="TextBox 83">
             <a:extLst>
               <a:ext uri="{FF2B5EF4-FFF2-40B4-BE49-F238E27FC236}">
-                <a16:creationId xmlns="" xmlns:a16="http://schemas.microsoft.com/office/drawing/2014/main" id="{E0F00F88-65DE-4565-9EE2-BE36A9B93E74}"/>
+                <a16:creationId xmlns:a16="http://schemas.microsoft.com/office/drawing/2014/main" xmlns="" id="{E0F00F88-65DE-4565-9EE2-BE36A9B93E74}"/>
               </a:ext>
             </a:extLst>
           </p:cNvPr>
@@ -25878,7 +25922,7 @@
           <p:cNvPr id="85" name="Curved Connector 39">
             <a:extLst>
               <a:ext uri="{FF2B5EF4-FFF2-40B4-BE49-F238E27FC236}">
-                <a16:creationId xmlns="" xmlns:a16="http://schemas.microsoft.com/office/drawing/2014/main" id="{013F1D07-98BE-4D10-BA32-9A997467AE9B}"/>
+                <a16:creationId xmlns:a16="http://schemas.microsoft.com/office/drawing/2014/main" xmlns="" id="{013F1D07-98BE-4D10-BA32-9A997467AE9B}"/>
               </a:ext>
             </a:extLst>
           </p:cNvPr>
@@ -25920,7 +25964,7 @@
           <p:cNvPr id="86" name="TextBox 85">
             <a:extLst>
               <a:ext uri="{FF2B5EF4-FFF2-40B4-BE49-F238E27FC236}">
-                <a16:creationId xmlns="" xmlns:a16="http://schemas.microsoft.com/office/drawing/2014/main" id="{5ADB40A9-DE5F-4648-B370-C554B2E29212}"/>
+                <a16:creationId xmlns:a16="http://schemas.microsoft.com/office/drawing/2014/main" xmlns="" id="{5ADB40A9-DE5F-4648-B370-C554B2E29212}"/>
               </a:ext>
             </a:extLst>
           </p:cNvPr>
@@ -25955,7 +25999,7 @@
           <p:cNvPr id="87" name="Curved Connector 41">
             <a:extLst>
               <a:ext uri="{FF2B5EF4-FFF2-40B4-BE49-F238E27FC236}">
-                <a16:creationId xmlns="" xmlns:a16="http://schemas.microsoft.com/office/drawing/2014/main" id="{42A05E22-8622-4F2B-A4D5-0050C72B6D01}"/>
+                <a16:creationId xmlns:a16="http://schemas.microsoft.com/office/drawing/2014/main" xmlns="" id="{42A05E22-8622-4F2B-A4D5-0050C72B6D01}"/>
               </a:ext>
             </a:extLst>
           </p:cNvPr>
@@ -25998,7 +26042,7 @@
           <p:cNvPr id="88" name="Curved Connector 44">
             <a:extLst>
               <a:ext uri="{FF2B5EF4-FFF2-40B4-BE49-F238E27FC236}">
-                <a16:creationId xmlns="" xmlns:a16="http://schemas.microsoft.com/office/drawing/2014/main" id="{3A04774E-04BB-470F-947C-BA381EB499F7}"/>
+                <a16:creationId xmlns:a16="http://schemas.microsoft.com/office/drawing/2014/main" xmlns="" id="{3A04774E-04BB-470F-947C-BA381EB499F7}"/>
               </a:ext>
             </a:extLst>
           </p:cNvPr>
@@ -26043,7 +26087,7 @@
           <p:cNvPr id="89" name="TextBox 88">
             <a:extLst>
               <a:ext uri="{FF2B5EF4-FFF2-40B4-BE49-F238E27FC236}">
-                <a16:creationId xmlns="" xmlns:a16="http://schemas.microsoft.com/office/drawing/2014/main" id="{F1797097-6698-4246-BEB5-B034E5E78724}"/>
+                <a16:creationId xmlns:a16="http://schemas.microsoft.com/office/drawing/2014/main" xmlns="" id="{F1797097-6698-4246-BEB5-B034E5E78724}"/>
               </a:ext>
             </a:extLst>
           </p:cNvPr>
@@ -26078,7 +26122,7 @@
           <p:cNvPr id="90" name="TextBox 89">
             <a:extLst>
               <a:ext uri="{FF2B5EF4-FFF2-40B4-BE49-F238E27FC236}">
-                <a16:creationId xmlns="" xmlns:a16="http://schemas.microsoft.com/office/drawing/2014/main" id="{76898853-25A0-4757-A81E-0CD4ED2E2C2E}"/>
+                <a16:creationId xmlns:a16="http://schemas.microsoft.com/office/drawing/2014/main" xmlns="" id="{76898853-25A0-4757-A81E-0CD4ED2E2C2E}"/>
               </a:ext>
             </a:extLst>
           </p:cNvPr>
@@ -26117,7 +26161,7 @@
           <p:cNvPr id="91" name="TextBox 90">
             <a:extLst>
               <a:ext uri="{FF2B5EF4-FFF2-40B4-BE49-F238E27FC236}">
-                <a16:creationId xmlns="" xmlns:a16="http://schemas.microsoft.com/office/drawing/2014/main" id="{9C79BE3B-D80B-4327-A807-093B23049BF6}"/>
+                <a16:creationId xmlns:a16="http://schemas.microsoft.com/office/drawing/2014/main" xmlns="" id="{9C79BE3B-D80B-4327-A807-093B23049BF6}"/>
               </a:ext>
             </a:extLst>
           </p:cNvPr>
@@ -26156,7 +26200,7 @@
           <p:cNvPr id="92" name="TextBox 91">
             <a:extLst>
               <a:ext uri="{FF2B5EF4-FFF2-40B4-BE49-F238E27FC236}">
-                <a16:creationId xmlns="" xmlns:a16="http://schemas.microsoft.com/office/drawing/2014/main" id="{415E394B-33FA-41D4-9C6C-3E1AE6176690}"/>
+                <a16:creationId xmlns:a16="http://schemas.microsoft.com/office/drawing/2014/main" xmlns="" id="{415E394B-33FA-41D4-9C6C-3E1AE6176690}"/>
               </a:ext>
             </a:extLst>
           </p:cNvPr>
@@ -26195,7 +26239,7 @@
           <p:cNvPr id="93" name="Rectangle 92">
             <a:extLst>
               <a:ext uri="{FF2B5EF4-FFF2-40B4-BE49-F238E27FC236}">
-                <a16:creationId xmlns="" xmlns:a16="http://schemas.microsoft.com/office/drawing/2014/main" id="{05245750-58A2-451C-8284-5D739ACAA370}"/>
+                <a16:creationId xmlns:a16="http://schemas.microsoft.com/office/drawing/2014/main" xmlns="" id="{05245750-58A2-451C-8284-5D739ACAA370}"/>
               </a:ext>
             </a:extLst>
           </p:cNvPr>
@@ -26230,7 +26274,7 @@
           <p:cNvPr id="96" name="Rectangle 95">
             <a:extLst>
               <a:ext uri="{FF2B5EF4-FFF2-40B4-BE49-F238E27FC236}">
-                <a16:creationId xmlns="" xmlns:a16="http://schemas.microsoft.com/office/drawing/2014/main" id="{B74E6712-1840-45A8-9C02-0C9CFA287632}"/>
+                <a16:creationId xmlns:a16="http://schemas.microsoft.com/office/drawing/2014/main" xmlns="" id="{B74E6712-1840-45A8-9C02-0C9CFA287632}"/>
               </a:ext>
             </a:extLst>
           </p:cNvPr>
@@ -26265,7 +26309,7 @@
           <p:cNvPr id="97" name="TextBox 96">
             <a:extLst>
               <a:ext uri="{FF2B5EF4-FFF2-40B4-BE49-F238E27FC236}">
-                <a16:creationId xmlns="" xmlns:a16="http://schemas.microsoft.com/office/drawing/2014/main" id="{4FD091AC-3E77-4CC3-9B94-A0DB07C81988}"/>
+                <a16:creationId xmlns:a16="http://schemas.microsoft.com/office/drawing/2014/main" xmlns="" id="{4FD091AC-3E77-4CC3-9B94-A0DB07C81988}"/>
               </a:ext>
             </a:extLst>
           </p:cNvPr>
@@ -26304,7 +26348,7 @@
           <p:cNvPr id="99" name="TextBox 98">
             <a:extLst>
               <a:ext uri="{FF2B5EF4-FFF2-40B4-BE49-F238E27FC236}">
-                <a16:creationId xmlns="" xmlns:a16="http://schemas.microsoft.com/office/drawing/2014/main" id="{813AEEE9-64D1-4E78-ABB1-728E13918744}"/>
+                <a16:creationId xmlns:a16="http://schemas.microsoft.com/office/drawing/2014/main" xmlns="" id="{813AEEE9-64D1-4E78-ABB1-728E13918744}"/>
               </a:ext>
             </a:extLst>
           </p:cNvPr>
@@ -26343,7 +26387,7 @@
           <p:cNvPr id="100" name="Rectangle 99">
             <a:extLst>
               <a:ext uri="{FF2B5EF4-FFF2-40B4-BE49-F238E27FC236}">
-                <a16:creationId xmlns="" xmlns:a16="http://schemas.microsoft.com/office/drawing/2014/main" id="{57229006-9752-4E52-B158-44317ED00DDA}"/>
+                <a16:creationId xmlns:a16="http://schemas.microsoft.com/office/drawing/2014/main" xmlns="" id="{57229006-9752-4E52-B158-44317ED00DDA}"/>
               </a:ext>
             </a:extLst>
           </p:cNvPr>
@@ -26378,7 +26422,7 @@
           <p:cNvPr id="101" name="Straight Connector 100">
             <a:extLst>
               <a:ext uri="{FF2B5EF4-FFF2-40B4-BE49-F238E27FC236}">
-                <a16:creationId xmlns="" xmlns:a16="http://schemas.microsoft.com/office/drawing/2014/main" id="{6FF5038F-F413-4DDB-A472-B0A92F994CAF}"/>
+                <a16:creationId xmlns:a16="http://schemas.microsoft.com/office/drawing/2014/main" xmlns="" id="{6FF5038F-F413-4DDB-A472-B0A92F994CAF}"/>
               </a:ext>
             </a:extLst>
           </p:cNvPr>
@@ -26417,7 +26461,7 @@
           <p:cNvPr id="102" name="TextBox 101">
             <a:extLst>
               <a:ext uri="{FF2B5EF4-FFF2-40B4-BE49-F238E27FC236}">
-                <a16:creationId xmlns="" xmlns:a16="http://schemas.microsoft.com/office/drawing/2014/main" id="{0270A6DE-919B-4EC2-B716-7D2BE25B3EA2}"/>
+                <a16:creationId xmlns:a16="http://schemas.microsoft.com/office/drawing/2014/main" xmlns="" id="{0270A6DE-919B-4EC2-B716-7D2BE25B3EA2}"/>
               </a:ext>
             </a:extLst>
           </p:cNvPr>
@@ -26452,7 +26496,7 @@
           <p:cNvPr id="103" name="TextBox 102">
             <a:extLst>
               <a:ext uri="{FF2B5EF4-FFF2-40B4-BE49-F238E27FC236}">
-                <a16:creationId xmlns="" xmlns:a16="http://schemas.microsoft.com/office/drawing/2014/main" id="{6B6B4AA7-566C-46F0-B881-F757F3F0E929}"/>
+                <a16:creationId xmlns:a16="http://schemas.microsoft.com/office/drawing/2014/main" xmlns="" id="{6B6B4AA7-566C-46F0-B881-F757F3F0E929}"/>
               </a:ext>
             </a:extLst>
           </p:cNvPr>
@@ -26493,7 +26537,7 @@
           <p:cNvPr id="104" name="Straight Connector 103">
             <a:extLst>
               <a:ext uri="{FF2B5EF4-FFF2-40B4-BE49-F238E27FC236}">
-                <a16:creationId xmlns="" xmlns:a16="http://schemas.microsoft.com/office/drawing/2014/main" id="{C93B0853-5174-4C80-91CD-6EC27A9D21D1}"/>
+                <a16:creationId xmlns:a16="http://schemas.microsoft.com/office/drawing/2014/main" xmlns="" id="{C93B0853-5174-4C80-91CD-6EC27A9D21D1}"/>
               </a:ext>
             </a:extLst>
           </p:cNvPr>
@@ -26529,7 +26573,7 @@
           <p:cNvPr id="105" name="TextBox 104">
             <a:extLst>
               <a:ext uri="{FF2B5EF4-FFF2-40B4-BE49-F238E27FC236}">
-                <a16:creationId xmlns="" xmlns:a16="http://schemas.microsoft.com/office/drawing/2014/main" id="{BA093485-5DC8-4BE4-BDD5-3BFC890F0D71}"/>
+                <a16:creationId xmlns:a16="http://schemas.microsoft.com/office/drawing/2014/main" xmlns="" id="{BA093485-5DC8-4BE4-BDD5-3BFC890F0D71}"/>
               </a:ext>
             </a:extLst>
           </p:cNvPr>
@@ -26564,7 +26608,7 @@
           <p:cNvPr id="106" name="TextBox 105">
             <a:extLst>
               <a:ext uri="{FF2B5EF4-FFF2-40B4-BE49-F238E27FC236}">
-                <a16:creationId xmlns="" xmlns:a16="http://schemas.microsoft.com/office/drawing/2014/main" id="{BCBA013B-56D8-43F9-AC3A-B702B5E2F967}"/>
+                <a16:creationId xmlns:a16="http://schemas.microsoft.com/office/drawing/2014/main" xmlns="" id="{BCBA013B-56D8-43F9-AC3A-B702B5E2F967}"/>
               </a:ext>
             </a:extLst>
           </p:cNvPr>
@@ -26605,7 +26649,7 @@
           <p:cNvPr id="107" name="TextBox 106">
             <a:extLst>
               <a:ext uri="{FF2B5EF4-FFF2-40B4-BE49-F238E27FC236}">
-                <a16:creationId xmlns="" xmlns:a16="http://schemas.microsoft.com/office/drawing/2014/main" id="{B4B478A5-3755-4057-B6E2-915E6E99CEAB}"/>
+                <a16:creationId xmlns:a16="http://schemas.microsoft.com/office/drawing/2014/main" xmlns="" id="{B4B478A5-3755-4057-B6E2-915E6E99CEAB}"/>
               </a:ext>
             </a:extLst>
           </p:cNvPr>
@@ -26640,7 +26684,7 @@
           <p:cNvPr id="108" name="Oval 107">
             <a:extLst>
               <a:ext uri="{FF2B5EF4-FFF2-40B4-BE49-F238E27FC236}">
-                <a16:creationId xmlns="" xmlns:a16="http://schemas.microsoft.com/office/drawing/2014/main" id="{8EB988DA-E846-4B26-A062-689C0B476367}"/>
+                <a16:creationId xmlns:a16="http://schemas.microsoft.com/office/drawing/2014/main" xmlns="" id="{8EB988DA-E846-4B26-A062-689C0B476367}"/>
               </a:ext>
             </a:extLst>
           </p:cNvPr>
@@ -26686,7 +26730,7 @@
           <p:cNvPr id="109" name="Oval 108">
             <a:extLst>
               <a:ext uri="{FF2B5EF4-FFF2-40B4-BE49-F238E27FC236}">
-                <a16:creationId xmlns="" xmlns:a16="http://schemas.microsoft.com/office/drawing/2014/main" id="{95453E73-D53A-48D6-B3F7-E085E5E2E517}"/>
+                <a16:creationId xmlns:a16="http://schemas.microsoft.com/office/drawing/2014/main" xmlns="" id="{95453E73-D53A-48D6-B3F7-E085E5E2E517}"/>
               </a:ext>
             </a:extLst>
           </p:cNvPr>
@@ -26732,7 +26776,7 @@
           <p:cNvPr id="110" name="TextBox 109">
             <a:extLst>
               <a:ext uri="{FF2B5EF4-FFF2-40B4-BE49-F238E27FC236}">
-                <a16:creationId xmlns="" xmlns:a16="http://schemas.microsoft.com/office/drawing/2014/main" id="{BD469563-CB55-4600-9302-90A458777B95}"/>
+                <a16:creationId xmlns:a16="http://schemas.microsoft.com/office/drawing/2014/main" xmlns="" id="{BD469563-CB55-4600-9302-90A458777B95}"/>
               </a:ext>
             </a:extLst>
           </p:cNvPr>
@@ -26767,7 +26811,7 @@
           <p:cNvPr id="111" name="TextBox 110">
             <a:extLst>
               <a:ext uri="{FF2B5EF4-FFF2-40B4-BE49-F238E27FC236}">
-                <a16:creationId xmlns="" xmlns:a16="http://schemas.microsoft.com/office/drawing/2014/main" id="{32121BE7-A284-407E-AA80-6A10C9B27AB4}"/>
+                <a16:creationId xmlns:a16="http://schemas.microsoft.com/office/drawing/2014/main" xmlns="" id="{32121BE7-A284-407E-AA80-6A10C9B27AB4}"/>
               </a:ext>
             </a:extLst>
           </p:cNvPr>
@@ -26808,7 +26852,7 @@
           <p:cNvPr id="112" name="TextBox 111">
             <a:extLst>
               <a:ext uri="{FF2B5EF4-FFF2-40B4-BE49-F238E27FC236}">
-                <a16:creationId xmlns="" xmlns:a16="http://schemas.microsoft.com/office/drawing/2014/main" id="{6ECFB194-0A40-49F3-8A1B-890D837D9453}"/>
+                <a16:creationId xmlns:a16="http://schemas.microsoft.com/office/drawing/2014/main" xmlns="" id="{6ECFB194-0A40-49F3-8A1B-890D837D9453}"/>
               </a:ext>
             </a:extLst>
           </p:cNvPr>
@@ -26843,7 +26887,7 @@
           <p:cNvPr id="113" name="TextBox 112">
             <a:extLst>
               <a:ext uri="{FF2B5EF4-FFF2-40B4-BE49-F238E27FC236}">
-                <a16:creationId xmlns="" xmlns:a16="http://schemas.microsoft.com/office/drawing/2014/main" id="{CD0CA159-1C89-49EA-8F73-440A5831345C}"/>
+                <a16:creationId xmlns:a16="http://schemas.microsoft.com/office/drawing/2014/main" xmlns="" id="{CD0CA159-1C89-49EA-8F73-440A5831345C}"/>
               </a:ext>
             </a:extLst>
           </p:cNvPr>
@@ -26884,7 +26928,7 @@
           <p:cNvPr id="114" name="Straight Arrow Connector 113">
             <a:extLst>
               <a:ext uri="{FF2B5EF4-FFF2-40B4-BE49-F238E27FC236}">
-                <a16:creationId xmlns="" xmlns:a16="http://schemas.microsoft.com/office/drawing/2014/main" id="{D34C62C4-93E1-4025-B920-9A5302A4A05D}"/>
+                <a16:creationId xmlns:a16="http://schemas.microsoft.com/office/drawing/2014/main" xmlns="" id="{D34C62C4-93E1-4025-B920-9A5302A4A05D}"/>
               </a:ext>
             </a:extLst>
           </p:cNvPr>
@@ -26927,7 +26971,7 @@
           <p:cNvPr id="115" name="Straight Arrow Connector 114">
             <a:extLst>
               <a:ext uri="{FF2B5EF4-FFF2-40B4-BE49-F238E27FC236}">
-                <a16:creationId xmlns="" xmlns:a16="http://schemas.microsoft.com/office/drawing/2014/main" id="{B750464B-7377-4B00-9772-78E31B9508D6}"/>
+                <a16:creationId xmlns:a16="http://schemas.microsoft.com/office/drawing/2014/main" xmlns="" id="{B750464B-7377-4B00-9772-78E31B9508D6}"/>
               </a:ext>
             </a:extLst>
           </p:cNvPr>
@@ -26970,7 +27014,7 @@
           <p:cNvPr id="116" name="Curved Connector 15">
             <a:extLst>
               <a:ext uri="{FF2B5EF4-FFF2-40B4-BE49-F238E27FC236}">
-                <a16:creationId xmlns="" xmlns:a16="http://schemas.microsoft.com/office/drawing/2014/main" id="{C8FA7EA0-26DB-4CBC-9DB0-57299AB33203}"/>
+                <a16:creationId xmlns:a16="http://schemas.microsoft.com/office/drawing/2014/main" xmlns="" id="{C8FA7EA0-26DB-4CBC-9DB0-57299AB33203}"/>
               </a:ext>
             </a:extLst>
           </p:cNvPr>
@@ -27013,7 +27057,7 @@
           <p:cNvPr id="117" name="Straight Arrow Connector 116">
             <a:extLst>
               <a:ext uri="{FF2B5EF4-FFF2-40B4-BE49-F238E27FC236}">
-                <a16:creationId xmlns="" xmlns:a16="http://schemas.microsoft.com/office/drawing/2014/main" id="{8CE85671-6DCC-4B0E-983A-96E7CB6F245D}"/>
+                <a16:creationId xmlns:a16="http://schemas.microsoft.com/office/drawing/2014/main" xmlns="" id="{8CE85671-6DCC-4B0E-983A-96E7CB6F245D}"/>
               </a:ext>
             </a:extLst>
           </p:cNvPr>
@@ -27056,7 +27100,7 @@
           <p:cNvPr id="118" name="Straight Arrow Connector 117">
             <a:extLst>
               <a:ext uri="{FF2B5EF4-FFF2-40B4-BE49-F238E27FC236}">
-                <a16:creationId xmlns="" xmlns:a16="http://schemas.microsoft.com/office/drawing/2014/main" id="{B4C6160A-3CA2-42E6-817F-17ED7898A062}"/>
+                <a16:creationId xmlns:a16="http://schemas.microsoft.com/office/drawing/2014/main" xmlns="" id="{B4C6160A-3CA2-42E6-817F-17ED7898A062}"/>
               </a:ext>
             </a:extLst>
           </p:cNvPr>
@@ -27099,7 +27143,7 @@
           <p:cNvPr id="119" name="Straight Connector 118">
             <a:extLst>
               <a:ext uri="{FF2B5EF4-FFF2-40B4-BE49-F238E27FC236}">
-                <a16:creationId xmlns="" xmlns:a16="http://schemas.microsoft.com/office/drawing/2014/main" id="{DE4C309A-C67B-4365-B220-F172FBBDA991}"/>
+                <a16:creationId xmlns:a16="http://schemas.microsoft.com/office/drawing/2014/main" xmlns="" id="{DE4C309A-C67B-4365-B220-F172FBBDA991}"/>
               </a:ext>
             </a:extLst>
           </p:cNvPr>
@@ -27137,7 +27181,7 @@
           <p:cNvPr id="120" name="Straight Connector 119">
             <a:extLst>
               <a:ext uri="{FF2B5EF4-FFF2-40B4-BE49-F238E27FC236}">
-                <a16:creationId xmlns="" xmlns:a16="http://schemas.microsoft.com/office/drawing/2014/main" id="{2A74B9D6-CDBE-4E99-BA03-D639314A0230}"/>
+                <a16:creationId xmlns:a16="http://schemas.microsoft.com/office/drawing/2014/main" xmlns="" id="{2A74B9D6-CDBE-4E99-BA03-D639314A0230}"/>
               </a:ext>
             </a:extLst>
           </p:cNvPr>
@@ -27175,7 +27219,7 @@
           <p:cNvPr id="121" name="TextBox 120">
             <a:extLst>
               <a:ext uri="{FF2B5EF4-FFF2-40B4-BE49-F238E27FC236}">
-                <a16:creationId xmlns="" xmlns:a16="http://schemas.microsoft.com/office/drawing/2014/main" id="{896D0024-FC3A-446F-8AB8-20BCB2F94170}"/>
+                <a16:creationId xmlns:a16="http://schemas.microsoft.com/office/drawing/2014/main" xmlns="" id="{896D0024-FC3A-446F-8AB8-20BCB2F94170}"/>
               </a:ext>
             </a:extLst>
           </p:cNvPr>
@@ -27214,7 +27258,7 @@
           <p:cNvPr id="122" name="TextBox 121">
             <a:extLst>
               <a:ext uri="{FF2B5EF4-FFF2-40B4-BE49-F238E27FC236}">
-                <a16:creationId xmlns="" xmlns:a16="http://schemas.microsoft.com/office/drawing/2014/main" id="{8D1D1A98-EDB4-4871-B45E-46A45CD2D69D}"/>
+                <a16:creationId xmlns:a16="http://schemas.microsoft.com/office/drawing/2014/main" xmlns="" id="{8D1D1A98-EDB4-4871-B45E-46A45CD2D69D}"/>
               </a:ext>
             </a:extLst>
           </p:cNvPr>
@@ -27253,7 +27297,7 @@
           <p:cNvPr id="123" name="TextBox 122">
             <a:extLst>
               <a:ext uri="{FF2B5EF4-FFF2-40B4-BE49-F238E27FC236}">
-                <a16:creationId xmlns="" xmlns:a16="http://schemas.microsoft.com/office/drawing/2014/main" id="{F9E96E14-988C-4912-B816-2C9D79B1344B}"/>
+                <a16:creationId xmlns:a16="http://schemas.microsoft.com/office/drawing/2014/main" xmlns="" id="{F9E96E14-988C-4912-B816-2C9D79B1344B}"/>
               </a:ext>
             </a:extLst>
           </p:cNvPr>
@@ -27292,7 +27336,7 @@
           <p:cNvPr id="124" name="TextBox 123">
             <a:extLst>
               <a:ext uri="{FF2B5EF4-FFF2-40B4-BE49-F238E27FC236}">
-                <a16:creationId xmlns="" xmlns:a16="http://schemas.microsoft.com/office/drawing/2014/main" id="{FD95774B-8DEA-4A12-BB47-BEFD170EC78C}"/>
+                <a16:creationId xmlns:a16="http://schemas.microsoft.com/office/drawing/2014/main" xmlns="" id="{FD95774B-8DEA-4A12-BB47-BEFD170EC78C}"/>
               </a:ext>
             </a:extLst>
           </p:cNvPr>
